--- a/Assets/Graphics.pptx
+++ b/Assets/Graphics.pptx
@@ -265,7 +265,7 @@
           <a:p>
             <a:fld id="{7AE0E8E8-CC72-474E-AE04-6E138E5658D4}" type="datetimeFigureOut">
               <a:rPr lang="en-NZ" smtClean="0"/>
-              <a:t>30/01/2021</a:t>
+              <a:t>31/01/2021</a:t>
             </a:fld>
             <a:endParaRPr lang="en-NZ"/>
           </a:p>
@@ -465,7 +465,7 @@
           <a:p>
             <a:fld id="{7AE0E8E8-CC72-474E-AE04-6E138E5658D4}" type="datetimeFigureOut">
               <a:rPr lang="en-NZ" smtClean="0"/>
-              <a:t>30/01/2021</a:t>
+              <a:t>31/01/2021</a:t>
             </a:fld>
             <a:endParaRPr lang="en-NZ"/>
           </a:p>
@@ -675,7 +675,7 @@
           <a:p>
             <a:fld id="{7AE0E8E8-CC72-474E-AE04-6E138E5658D4}" type="datetimeFigureOut">
               <a:rPr lang="en-NZ" smtClean="0"/>
-              <a:t>30/01/2021</a:t>
+              <a:t>31/01/2021</a:t>
             </a:fld>
             <a:endParaRPr lang="en-NZ"/>
           </a:p>
@@ -875,7 +875,7 @@
           <a:p>
             <a:fld id="{7AE0E8E8-CC72-474E-AE04-6E138E5658D4}" type="datetimeFigureOut">
               <a:rPr lang="en-NZ" smtClean="0"/>
-              <a:t>30/01/2021</a:t>
+              <a:t>31/01/2021</a:t>
             </a:fld>
             <a:endParaRPr lang="en-NZ"/>
           </a:p>
@@ -1151,7 +1151,7 @@
           <a:p>
             <a:fld id="{7AE0E8E8-CC72-474E-AE04-6E138E5658D4}" type="datetimeFigureOut">
               <a:rPr lang="en-NZ" smtClean="0"/>
-              <a:t>30/01/2021</a:t>
+              <a:t>31/01/2021</a:t>
             </a:fld>
             <a:endParaRPr lang="en-NZ"/>
           </a:p>
@@ -1419,7 +1419,7 @@
           <a:p>
             <a:fld id="{7AE0E8E8-CC72-474E-AE04-6E138E5658D4}" type="datetimeFigureOut">
               <a:rPr lang="en-NZ" smtClean="0"/>
-              <a:t>30/01/2021</a:t>
+              <a:t>31/01/2021</a:t>
             </a:fld>
             <a:endParaRPr lang="en-NZ"/>
           </a:p>
@@ -1834,7 +1834,7 @@
           <a:p>
             <a:fld id="{7AE0E8E8-CC72-474E-AE04-6E138E5658D4}" type="datetimeFigureOut">
               <a:rPr lang="en-NZ" smtClean="0"/>
-              <a:t>30/01/2021</a:t>
+              <a:t>31/01/2021</a:t>
             </a:fld>
             <a:endParaRPr lang="en-NZ"/>
           </a:p>
@@ -1976,7 +1976,7 @@
           <a:p>
             <a:fld id="{7AE0E8E8-CC72-474E-AE04-6E138E5658D4}" type="datetimeFigureOut">
               <a:rPr lang="en-NZ" smtClean="0"/>
-              <a:t>30/01/2021</a:t>
+              <a:t>31/01/2021</a:t>
             </a:fld>
             <a:endParaRPr lang="en-NZ"/>
           </a:p>
@@ -2089,7 +2089,7 @@
           <a:p>
             <a:fld id="{7AE0E8E8-CC72-474E-AE04-6E138E5658D4}" type="datetimeFigureOut">
               <a:rPr lang="en-NZ" smtClean="0"/>
-              <a:t>30/01/2021</a:t>
+              <a:t>31/01/2021</a:t>
             </a:fld>
             <a:endParaRPr lang="en-NZ"/>
           </a:p>
@@ -2402,7 +2402,7 @@
           <a:p>
             <a:fld id="{7AE0E8E8-CC72-474E-AE04-6E138E5658D4}" type="datetimeFigureOut">
               <a:rPr lang="en-NZ" smtClean="0"/>
-              <a:t>30/01/2021</a:t>
+              <a:t>31/01/2021</a:t>
             </a:fld>
             <a:endParaRPr lang="en-NZ"/>
           </a:p>
@@ -2691,7 +2691,7 @@
           <a:p>
             <a:fld id="{7AE0E8E8-CC72-474E-AE04-6E138E5658D4}" type="datetimeFigureOut">
               <a:rPr lang="en-NZ" smtClean="0"/>
-              <a:t>30/01/2021</a:t>
+              <a:t>31/01/2021</a:t>
             </a:fld>
             <a:endParaRPr lang="en-NZ"/>
           </a:p>
@@ -2934,7 +2934,7 @@
           <a:p>
             <a:fld id="{7AE0E8E8-CC72-474E-AE04-6E138E5658D4}" type="datetimeFigureOut">
               <a:rPr lang="en-NZ" smtClean="0"/>
-              <a:t>30/01/2021</a:t>
+              <a:t>31/01/2021</a:t>
             </a:fld>
             <a:endParaRPr lang="en-NZ"/>
           </a:p>
@@ -13254,6 +13254,2821 @@
           <a:chExt cx="0" cy="0"/>
         </a:xfrm>
       </p:grpSpPr>
+      <p:grpSp>
+        <p:nvGrpSpPr>
+          <p:cNvPr id="34" name="Group 33">
+            <a:extLst>
+              <a:ext uri="{FF2B5EF4-FFF2-40B4-BE49-F238E27FC236}">
+                <a16:creationId xmlns:a16="http://schemas.microsoft.com/office/drawing/2014/main" id="{8C68BEFD-AD05-4F2F-8846-1620858D6907}"/>
+              </a:ext>
+            </a:extLst>
+          </p:cNvPr>
+          <p:cNvGrpSpPr/>
+          <p:nvPr/>
+        </p:nvGrpSpPr>
+        <p:grpSpPr>
+          <a:xfrm>
+            <a:off x="1045945" y="1012474"/>
+            <a:ext cx="4411922" cy="4098268"/>
+            <a:chOff x="2379322" y="1114364"/>
+            <a:chExt cx="4411922" cy="4098268"/>
+          </a:xfrm>
+        </p:grpSpPr>
+        <p:sp>
+          <p:nvSpPr>
+            <p:cNvPr id="24" name="Flowchart: Connector 23">
+              <a:extLst>
+                <a:ext uri="{FF2B5EF4-FFF2-40B4-BE49-F238E27FC236}">
+                  <a16:creationId xmlns:a16="http://schemas.microsoft.com/office/drawing/2014/main" id="{8BEE31A2-25EA-4406-BF87-4BE0AEB13C4A}"/>
+                </a:ext>
+              </a:extLst>
+            </p:cNvPr>
+            <p:cNvSpPr/>
+            <p:nvPr/>
+          </p:nvSpPr>
+          <p:spPr>
+            <a:xfrm>
+              <a:off x="2882420" y="2622197"/>
+              <a:ext cx="881273" cy="881273"/>
+            </a:xfrm>
+            <a:prstGeom prst="flowChartConnector">
+              <a:avLst/>
+            </a:prstGeom>
+            <a:solidFill>
+              <a:srgbClr val="663300"/>
+            </a:solidFill>
+            <a:ln>
+              <a:solidFill>
+                <a:schemeClr val="tx1"/>
+              </a:solidFill>
+            </a:ln>
+          </p:spPr>
+          <p:style>
+            <a:lnRef idx="2">
+              <a:schemeClr val="accent1">
+                <a:shade val="50000"/>
+              </a:schemeClr>
+            </a:lnRef>
+            <a:fillRef idx="1">
+              <a:schemeClr val="accent1"/>
+            </a:fillRef>
+            <a:effectRef idx="0">
+              <a:schemeClr val="accent1"/>
+            </a:effectRef>
+            <a:fontRef idx="minor">
+              <a:schemeClr val="lt1"/>
+            </a:fontRef>
+          </p:style>
+          <p:txBody>
+            <a:bodyPr rtlCol="0" anchor="ctr"/>
+            <a:lstStyle/>
+            <a:p>
+              <a:pPr algn="ctr"/>
+              <a:endParaRPr lang="en-NZ"/>
+            </a:p>
+          </p:txBody>
+        </p:sp>
+        <p:sp>
+          <p:nvSpPr>
+            <p:cNvPr id="25" name="Flowchart: Connector 24">
+              <a:extLst>
+                <a:ext uri="{FF2B5EF4-FFF2-40B4-BE49-F238E27FC236}">
+                  <a16:creationId xmlns:a16="http://schemas.microsoft.com/office/drawing/2014/main" id="{45BFAC7F-8F7E-497A-9595-2B1CCC98C03B}"/>
+                </a:ext>
+              </a:extLst>
+            </p:cNvPr>
+            <p:cNvSpPr/>
+            <p:nvPr/>
+          </p:nvSpPr>
+          <p:spPr>
+            <a:xfrm>
+              <a:off x="3078244" y="2622196"/>
+              <a:ext cx="881273" cy="881273"/>
+            </a:xfrm>
+            <a:prstGeom prst="flowChartConnector">
+              <a:avLst/>
+            </a:prstGeom>
+            <a:solidFill>
+              <a:srgbClr val="663300"/>
+            </a:solidFill>
+            <a:ln>
+              <a:solidFill>
+                <a:schemeClr val="tx1"/>
+              </a:solidFill>
+            </a:ln>
+          </p:spPr>
+          <p:style>
+            <a:lnRef idx="2">
+              <a:schemeClr val="accent1">
+                <a:shade val="50000"/>
+              </a:schemeClr>
+            </a:lnRef>
+            <a:fillRef idx="1">
+              <a:schemeClr val="accent1"/>
+            </a:fillRef>
+            <a:effectRef idx="0">
+              <a:schemeClr val="accent1"/>
+            </a:effectRef>
+            <a:fontRef idx="minor">
+              <a:schemeClr val="lt1"/>
+            </a:fontRef>
+          </p:style>
+          <p:txBody>
+            <a:bodyPr rtlCol="0" anchor="ctr"/>
+            <a:lstStyle/>
+            <a:p>
+              <a:pPr algn="ctr"/>
+              <a:endParaRPr lang="en-NZ"/>
+            </a:p>
+          </p:txBody>
+        </p:sp>
+        <p:sp>
+          <p:nvSpPr>
+            <p:cNvPr id="26" name="Flowchart: Connector 25">
+              <a:extLst>
+                <a:ext uri="{FF2B5EF4-FFF2-40B4-BE49-F238E27FC236}">
+                  <a16:creationId xmlns:a16="http://schemas.microsoft.com/office/drawing/2014/main" id="{9A6C4ED6-D63F-4152-A345-B8DAD1010C30}"/>
+                </a:ext>
+              </a:extLst>
+            </p:cNvPr>
+            <p:cNvSpPr/>
+            <p:nvPr/>
+          </p:nvSpPr>
+          <p:spPr>
+            <a:xfrm>
+              <a:off x="3223691" y="2754055"/>
+              <a:ext cx="881273" cy="881273"/>
+            </a:xfrm>
+            <a:prstGeom prst="flowChartConnector">
+              <a:avLst/>
+            </a:prstGeom>
+            <a:solidFill>
+              <a:srgbClr val="663300"/>
+            </a:solidFill>
+            <a:ln>
+              <a:solidFill>
+                <a:schemeClr val="tx1"/>
+              </a:solidFill>
+            </a:ln>
+          </p:spPr>
+          <p:style>
+            <a:lnRef idx="2">
+              <a:schemeClr val="accent1">
+                <a:shade val="50000"/>
+              </a:schemeClr>
+            </a:lnRef>
+            <a:fillRef idx="1">
+              <a:schemeClr val="accent1"/>
+            </a:fillRef>
+            <a:effectRef idx="0">
+              <a:schemeClr val="accent1"/>
+            </a:effectRef>
+            <a:fontRef idx="minor">
+              <a:schemeClr val="lt1"/>
+            </a:fontRef>
+          </p:style>
+          <p:txBody>
+            <a:bodyPr rtlCol="0" anchor="ctr"/>
+            <a:lstStyle/>
+            <a:p>
+              <a:pPr algn="ctr"/>
+              <a:endParaRPr lang="en-NZ"/>
+            </a:p>
+          </p:txBody>
+        </p:sp>
+        <p:sp>
+          <p:nvSpPr>
+            <p:cNvPr id="27" name="Flowchart: Connector 26">
+              <a:extLst>
+                <a:ext uri="{FF2B5EF4-FFF2-40B4-BE49-F238E27FC236}">
+                  <a16:creationId xmlns:a16="http://schemas.microsoft.com/office/drawing/2014/main" id="{F2DBADEE-11D6-4205-8043-BA4FCE817E9D}"/>
+                </a:ext>
+              </a:extLst>
+            </p:cNvPr>
+            <p:cNvSpPr/>
+            <p:nvPr/>
+          </p:nvSpPr>
+          <p:spPr>
+            <a:xfrm>
+              <a:off x="3382575" y="2881561"/>
+              <a:ext cx="881273" cy="881273"/>
+            </a:xfrm>
+            <a:prstGeom prst="flowChartConnector">
+              <a:avLst/>
+            </a:prstGeom>
+            <a:solidFill>
+              <a:srgbClr val="663300"/>
+            </a:solidFill>
+            <a:ln>
+              <a:solidFill>
+                <a:schemeClr val="tx1"/>
+              </a:solidFill>
+            </a:ln>
+          </p:spPr>
+          <p:style>
+            <a:lnRef idx="2">
+              <a:schemeClr val="accent1">
+                <a:shade val="50000"/>
+              </a:schemeClr>
+            </a:lnRef>
+            <a:fillRef idx="1">
+              <a:schemeClr val="accent1"/>
+            </a:fillRef>
+            <a:effectRef idx="0">
+              <a:schemeClr val="accent1"/>
+            </a:effectRef>
+            <a:fontRef idx="minor">
+              <a:schemeClr val="lt1"/>
+            </a:fontRef>
+          </p:style>
+          <p:txBody>
+            <a:bodyPr rtlCol="0" anchor="ctr"/>
+            <a:lstStyle/>
+            <a:p>
+              <a:pPr algn="ctr"/>
+              <a:endParaRPr lang="en-NZ"/>
+            </a:p>
+          </p:txBody>
+        </p:sp>
+        <p:sp>
+          <p:nvSpPr>
+            <p:cNvPr id="28" name="Flowchart: Connector 27">
+              <a:extLst>
+                <a:ext uri="{FF2B5EF4-FFF2-40B4-BE49-F238E27FC236}">
+                  <a16:creationId xmlns:a16="http://schemas.microsoft.com/office/drawing/2014/main" id="{149F475E-B6C3-4443-8775-0902FA43E224}"/>
+                </a:ext>
+              </a:extLst>
+            </p:cNvPr>
+            <p:cNvSpPr/>
+            <p:nvPr/>
+          </p:nvSpPr>
+          <p:spPr>
+            <a:xfrm>
+              <a:off x="3528781" y="2921325"/>
+              <a:ext cx="881273" cy="881273"/>
+            </a:xfrm>
+            <a:prstGeom prst="flowChartConnector">
+              <a:avLst/>
+            </a:prstGeom>
+            <a:solidFill>
+              <a:srgbClr val="663300"/>
+            </a:solidFill>
+            <a:ln>
+              <a:solidFill>
+                <a:schemeClr val="tx1"/>
+              </a:solidFill>
+            </a:ln>
+          </p:spPr>
+          <p:style>
+            <a:lnRef idx="2">
+              <a:schemeClr val="accent1">
+                <a:shade val="50000"/>
+              </a:schemeClr>
+            </a:lnRef>
+            <a:fillRef idx="1">
+              <a:schemeClr val="accent1"/>
+            </a:fillRef>
+            <a:effectRef idx="0">
+              <a:schemeClr val="accent1"/>
+            </a:effectRef>
+            <a:fontRef idx="minor">
+              <a:schemeClr val="lt1"/>
+            </a:fontRef>
+          </p:style>
+          <p:txBody>
+            <a:bodyPr rtlCol="0" anchor="ctr"/>
+            <a:lstStyle/>
+            <a:p>
+              <a:pPr algn="ctr"/>
+              <a:endParaRPr lang="en-NZ"/>
+            </a:p>
+          </p:txBody>
+        </p:sp>
+        <p:sp>
+          <p:nvSpPr>
+            <p:cNvPr id="29" name="Flowchart: Connector 28">
+              <a:extLst>
+                <a:ext uri="{FF2B5EF4-FFF2-40B4-BE49-F238E27FC236}">
+                  <a16:creationId xmlns:a16="http://schemas.microsoft.com/office/drawing/2014/main" id="{B299043C-53E4-4E91-872F-A30D3D031E99}"/>
+                </a:ext>
+              </a:extLst>
+            </p:cNvPr>
+            <p:cNvSpPr/>
+            <p:nvPr/>
+          </p:nvSpPr>
+          <p:spPr>
+            <a:xfrm>
+              <a:off x="3635837" y="2841797"/>
+              <a:ext cx="881273" cy="881273"/>
+            </a:xfrm>
+            <a:prstGeom prst="flowChartConnector">
+              <a:avLst/>
+            </a:prstGeom>
+            <a:solidFill>
+              <a:srgbClr val="663300"/>
+            </a:solidFill>
+            <a:ln>
+              <a:solidFill>
+                <a:schemeClr val="tx1"/>
+              </a:solidFill>
+            </a:ln>
+          </p:spPr>
+          <p:style>
+            <a:lnRef idx="2">
+              <a:schemeClr val="accent1">
+                <a:shade val="50000"/>
+              </a:schemeClr>
+            </a:lnRef>
+            <a:fillRef idx="1">
+              <a:schemeClr val="accent1"/>
+            </a:fillRef>
+            <a:effectRef idx="0">
+              <a:schemeClr val="accent1"/>
+            </a:effectRef>
+            <a:fontRef idx="minor">
+              <a:schemeClr val="lt1"/>
+            </a:fontRef>
+          </p:style>
+          <p:txBody>
+            <a:bodyPr rtlCol="0" anchor="ctr"/>
+            <a:lstStyle/>
+            <a:p>
+              <a:pPr algn="ctr"/>
+              <a:endParaRPr lang="en-NZ"/>
+            </a:p>
+          </p:txBody>
+        </p:sp>
+        <p:sp>
+          <p:nvSpPr>
+            <p:cNvPr id="30" name="Flowchart: Connector 29">
+              <a:extLst>
+                <a:ext uri="{FF2B5EF4-FFF2-40B4-BE49-F238E27FC236}">
+                  <a16:creationId xmlns:a16="http://schemas.microsoft.com/office/drawing/2014/main" id="{B56B1FDD-9F7B-4CD6-A44F-95CC798A44CA}"/>
+                </a:ext>
+              </a:extLst>
+            </p:cNvPr>
+            <p:cNvSpPr/>
+            <p:nvPr/>
+          </p:nvSpPr>
+          <p:spPr>
+            <a:xfrm>
+              <a:off x="3777306" y="2758060"/>
+              <a:ext cx="881273" cy="881273"/>
+            </a:xfrm>
+            <a:prstGeom prst="flowChartConnector">
+              <a:avLst/>
+            </a:prstGeom>
+            <a:solidFill>
+              <a:srgbClr val="663300"/>
+            </a:solidFill>
+            <a:ln>
+              <a:solidFill>
+                <a:schemeClr val="tx1"/>
+              </a:solidFill>
+            </a:ln>
+          </p:spPr>
+          <p:style>
+            <a:lnRef idx="2">
+              <a:schemeClr val="accent1">
+                <a:shade val="50000"/>
+              </a:schemeClr>
+            </a:lnRef>
+            <a:fillRef idx="1">
+              <a:schemeClr val="accent1"/>
+            </a:fillRef>
+            <a:effectRef idx="0">
+              <a:schemeClr val="accent1"/>
+            </a:effectRef>
+            <a:fontRef idx="minor">
+              <a:schemeClr val="lt1"/>
+            </a:fontRef>
+          </p:style>
+          <p:txBody>
+            <a:bodyPr rtlCol="0" anchor="ctr"/>
+            <a:lstStyle/>
+            <a:p>
+              <a:pPr algn="ctr"/>
+              <a:endParaRPr lang="en-NZ"/>
+            </a:p>
+          </p:txBody>
+        </p:sp>
+        <p:sp>
+          <p:nvSpPr>
+            <p:cNvPr id="31" name="Flowchart: Connector 30">
+              <a:extLst>
+                <a:ext uri="{FF2B5EF4-FFF2-40B4-BE49-F238E27FC236}">
+                  <a16:creationId xmlns:a16="http://schemas.microsoft.com/office/drawing/2014/main" id="{5E6E5154-49E4-4939-BD59-2AF4AE1DA01B}"/>
+                </a:ext>
+              </a:extLst>
+            </p:cNvPr>
+            <p:cNvSpPr/>
+            <p:nvPr/>
+          </p:nvSpPr>
+          <p:spPr>
+            <a:xfrm>
+              <a:off x="3917589" y="2701724"/>
+              <a:ext cx="881273" cy="881273"/>
+            </a:xfrm>
+            <a:prstGeom prst="flowChartConnector">
+              <a:avLst/>
+            </a:prstGeom>
+            <a:solidFill>
+              <a:srgbClr val="663300"/>
+            </a:solidFill>
+            <a:ln>
+              <a:solidFill>
+                <a:schemeClr val="tx1"/>
+              </a:solidFill>
+            </a:ln>
+          </p:spPr>
+          <p:style>
+            <a:lnRef idx="2">
+              <a:schemeClr val="accent1">
+                <a:shade val="50000"/>
+              </a:schemeClr>
+            </a:lnRef>
+            <a:fillRef idx="1">
+              <a:schemeClr val="accent1"/>
+            </a:fillRef>
+            <a:effectRef idx="0">
+              <a:schemeClr val="accent1"/>
+            </a:effectRef>
+            <a:fontRef idx="minor">
+              <a:schemeClr val="lt1"/>
+            </a:fontRef>
+          </p:style>
+          <p:txBody>
+            <a:bodyPr rtlCol="0" anchor="ctr"/>
+            <a:lstStyle/>
+            <a:p>
+              <a:pPr algn="ctr"/>
+              <a:endParaRPr lang="en-NZ"/>
+            </a:p>
+          </p:txBody>
+        </p:sp>
+        <p:sp>
+          <p:nvSpPr>
+            <p:cNvPr id="32" name="Flowchart: Connector 31">
+              <a:extLst>
+                <a:ext uri="{FF2B5EF4-FFF2-40B4-BE49-F238E27FC236}">
+                  <a16:creationId xmlns:a16="http://schemas.microsoft.com/office/drawing/2014/main" id="{81865E01-6589-4505-A48B-5A0E1CD2260B}"/>
+                </a:ext>
+              </a:extLst>
+            </p:cNvPr>
+            <p:cNvSpPr/>
+            <p:nvPr/>
+          </p:nvSpPr>
+          <p:spPr>
+            <a:xfrm>
+              <a:off x="4066573" y="2661960"/>
+              <a:ext cx="881273" cy="881273"/>
+            </a:xfrm>
+            <a:prstGeom prst="flowChartConnector">
+              <a:avLst/>
+            </a:prstGeom>
+            <a:solidFill>
+              <a:srgbClr val="663300"/>
+            </a:solidFill>
+            <a:ln>
+              <a:solidFill>
+                <a:schemeClr val="tx1"/>
+              </a:solidFill>
+            </a:ln>
+          </p:spPr>
+          <p:style>
+            <a:lnRef idx="2">
+              <a:schemeClr val="accent1">
+                <a:shade val="50000"/>
+              </a:schemeClr>
+            </a:lnRef>
+            <a:fillRef idx="1">
+              <a:schemeClr val="accent1"/>
+            </a:fillRef>
+            <a:effectRef idx="0">
+              <a:schemeClr val="accent1"/>
+            </a:effectRef>
+            <a:fontRef idx="minor">
+              <a:schemeClr val="lt1"/>
+            </a:fontRef>
+          </p:style>
+          <p:txBody>
+            <a:bodyPr rtlCol="0" anchor="ctr"/>
+            <a:lstStyle/>
+            <a:p>
+              <a:pPr algn="ctr"/>
+              <a:endParaRPr lang="en-NZ"/>
+            </a:p>
+          </p:txBody>
+        </p:sp>
+        <p:sp>
+          <p:nvSpPr>
+            <p:cNvPr id="33" name="Flowchart: Connector 32">
+              <a:extLst>
+                <a:ext uri="{FF2B5EF4-FFF2-40B4-BE49-F238E27FC236}">
+                  <a16:creationId xmlns:a16="http://schemas.microsoft.com/office/drawing/2014/main" id="{A9DD83D1-1D56-45D5-867F-D2ED5D9101AC}"/>
+                </a:ext>
+              </a:extLst>
+            </p:cNvPr>
+            <p:cNvSpPr/>
+            <p:nvPr/>
+          </p:nvSpPr>
+          <p:spPr>
+            <a:xfrm>
+              <a:off x="4066572" y="2534454"/>
+              <a:ext cx="881273" cy="881273"/>
+            </a:xfrm>
+            <a:prstGeom prst="flowChartConnector">
+              <a:avLst/>
+            </a:prstGeom>
+            <a:solidFill>
+              <a:srgbClr val="663300"/>
+            </a:solidFill>
+            <a:ln>
+              <a:solidFill>
+                <a:schemeClr val="tx1"/>
+              </a:solidFill>
+            </a:ln>
+          </p:spPr>
+          <p:style>
+            <a:lnRef idx="2">
+              <a:schemeClr val="accent1">
+                <a:shade val="50000"/>
+              </a:schemeClr>
+            </a:lnRef>
+            <a:fillRef idx="1">
+              <a:schemeClr val="accent1"/>
+            </a:fillRef>
+            <a:effectRef idx="0">
+              <a:schemeClr val="accent1"/>
+            </a:effectRef>
+            <a:fontRef idx="minor">
+              <a:schemeClr val="lt1"/>
+            </a:fontRef>
+          </p:style>
+          <p:txBody>
+            <a:bodyPr rtlCol="0" anchor="ctr"/>
+            <a:lstStyle/>
+            <a:p>
+              <a:pPr algn="ctr"/>
+              <a:endParaRPr lang="en-NZ"/>
+            </a:p>
+          </p:txBody>
+        </p:sp>
+        <p:sp>
+          <p:nvSpPr>
+            <p:cNvPr id="3" name="Moon 2">
+              <a:extLst>
+                <a:ext uri="{FF2B5EF4-FFF2-40B4-BE49-F238E27FC236}">
+                  <a16:creationId xmlns:a16="http://schemas.microsoft.com/office/drawing/2014/main" id="{BAF9CD32-C48C-4E52-8D8E-103B34FC4ED2}"/>
+                </a:ext>
+              </a:extLst>
+            </p:cNvPr>
+            <p:cNvSpPr/>
+            <p:nvPr/>
+          </p:nvSpPr>
+          <p:spPr>
+            <a:xfrm rot="15137540">
+              <a:off x="3178958" y="2523693"/>
+              <a:ext cx="734646" cy="2333918"/>
+            </a:xfrm>
+            <a:prstGeom prst="moon">
+              <a:avLst>
+                <a:gd name="adj" fmla="val 76950"/>
+              </a:avLst>
+            </a:prstGeom>
+            <a:solidFill>
+              <a:srgbClr val="008000"/>
+            </a:solidFill>
+            <a:ln>
+              <a:solidFill>
+                <a:schemeClr val="tx1"/>
+              </a:solidFill>
+            </a:ln>
+          </p:spPr>
+          <p:style>
+            <a:lnRef idx="2">
+              <a:schemeClr val="accent1">
+                <a:shade val="50000"/>
+              </a:schemeClr>
+            </a:lnRef>
+            <a:fillRef idx="1">
+              <a:schemeClr val="accent1"/>
+            </a:fillRef>
+            <a:effectRef idx="0">
+              <a:schemeClr val="accent1"/>
+            </a:effectRef>
+            <a:fontRef idx="minor">
+              <a:schemeClr val="lt1"/>
+            </a:fontRef>
+          </p:style>
+          <p:txBody>
+            <a:bodyPr rtlCol="0" anchor="ctr"/>
+            <a:lstStyle/>
+            <a:p>
+              <a:pPr algn="ctr"/>
+              <a:endParaRPr lang="en-NZ"/>
+            </a:p>
+          </p:txBody>
+        </p:sp>
+        <p:sp>
+          <p:nvSpPr>
+            <p:cNvPr id="6" name="Moon 5">
+              <a:extLst>
+                <a:ext uri="{FF2B5EF4-FFF2-40B4-BE49-F238E27FC236}">
+                  <a16:creationId xmlns:a16="http://schemas.microsoft.com/office/drawing/2014/main" id="{AD7F8975-CB88-4647-99C0-9669C5F76684}"/>
+                </a:ext>
+              </a:extLst>
+            </p:cNvPr>
+            <p:cNvSpPr/>
+            <p:nvPr/>
+          </p:nvSpPr>
+          <p:spPr>
+            <a:xfrm rot="19282375">
+              <a:off x="3604750" y="1316470"/>
+              <a:ext cx="734646" cy="2333918"/>
+            </a:xfrm>
+            <a:prstGeom prst="moon">
+              <a:avLst>
+                <a:gd name="adj" fmla="val 76950"/>
+              </a:avLst>
+            </a:prstGeom>
+            <a:solidFill>
+              <a:srgbClr val="008000"/>
+            </a:solidFill>
+            <a:ln>
+              <a:solidFill>
+                <a:schemeClr val="tx1"/>
+              </a:solidFill>
+            </a:ln>
+          </p:spPr>
+          <p:style>
+            <a:lnRef idx="2">
+              <a:schemeClr val="accent1">
+                <a:shade val="50000"/>
+              </a:schemeClr>
+            </a:lnRef>
+            <a:fillRef idx="1">
+              <a:schemeClr val="accent1"/>
+            </a:fillRef>
+            <a:effectRef idx="0">
+              <a:schemeClr val="accent1"/>
+            </a:effectRef>
+            <a:fontRef idx="minor">
+              <a:schemeClr val="lt1"/>
+            </a:fontRef>
+          </p:style>
+          <p:txBody>
+            <a:bodyPr rtlCol="0" anchor="ctr"/>
+            <a:lstStyle/>
+            <a:p>
+              <a:pPr algn="ctr"/>
+              <a:endParaRPr lang="en-NZ"/>
+            </a:p>
+          </p:txBody>
+        </p:sp>
+        <p:sp>
+          <p:nvSpPr>
+            <p:cNvPr id="7" name="Moon 6">
+              <a:extLst>
+                <a:ext uri="{FF2B5EF4-FFF2-40B4-BE49-F238E27FC236}">
+                  <a16:creationId xmlns:a16="http://schemas.microsoft.com/office/drawing/2014/main" id="{352A9E9B-EB1B-475C-91A0-0EB3395BEC37}"/>
+                </a:ext>
+              </a:extLst>
+            </p:cNvPr>
+            <p:cNvSpPr/>
+            <p:nvPr/>
+          </p:nvSpPr>
+          <p:spPr>
+            <a:xfrm rot="2000029" flipH="1">
+              <a:off x="4748494" y="1114364"/>
+              <a:ext cx="734646" cy="2333918"/>
+            </a:xfrm>
+            <a:prstGeom prst="moon">
+              <a:avLst>
+                <a:gd name="adj" fmla="val 76950"/>
+              </a:avLst>
+            </a:prstGeom>
+            <a:solidFill>
+              <a:srgbClr val="008000"/>
+            </a:solidFill>
+            <a:ln>
+              <a:solidFill>
+                <a:schemeClr val="tx1"/>
+              </a:solidFill>
+            </a:ln>
+          </p:spPr>
+          <p:style>
+            <a:lnRef idx="2">
+              <a:schemeClr val="accent1">
+                <a:shade val="50000"/>
+              </a:schemeClr>
+            </a:lnRef>
+            <a:fillRef idx="1">
+              <a:schemeClr val="accent1"/>
+            </a:fillRef>
+            <a:effectRef idx="0">
+              <a:schemeClr val="accent1"/>
+            </a:effectRef>
+            <a:fontRef idx="minor">
+              <a:schemeClr val="lt1"/>
+            </a:fontRef>
+          </p:style>
+          <p:txBody>
+            <a:bodyPr rtlCol="0" anchor="ctr"/>
+            <a:lstStyle/>
+            <a:p>
+              <a:pPr algn="ctr"/>
+              <a:endParaRPr lang="en-NZ"/>
+            </a:p>
+          </p:txBody>
+        </p:sp>
+        <p:sp>
+          <p:nvSpPr>
+            <p:cNvPr id="8" name="Moon 7">
+              <a:extLst>
+                <a:ext uri="{FF2B5EF4-FFF2-40B4-BE49-F238E27FC236}">
+                  <a16:creationId xmlns:a16="http://schemas.microsoft.com/office/drawing/2014/main" id="{032BBBBE-04C5-47E3-B2AF-73EDBF229E7A}"/>
+                </a:ext>
+              </a:extLst>
+            </p:cNvPr>
+            <p:cNvSpPr/>
+            <p:nvPr/>
+          </p:nvSpPr>
+          <p:spPr>
+            <a:xfrm rot="4772928">
+              <a:off x="5256962" y="1587096"/>
+              <a:ext cx="734646" cy="2333918"/>
+            </a:xfrm>
+            <a:prstGeom prst="moon">
+              <a:avLst>
+                <a:gd name="adj" fmla="val 76950"/>
+              </a:avLst>
+            </a:prstGeom>
+            <a:solidFill>
+              <a:srgbClr val="008000"/>
+            </a:solidFill>
+            <a:ln>
+              <a:solidFill>
+                <a:schemeClr val="tx1"/>
+              </a:solidFill>
+            </a:ln>
+          </p:spPr>
+          <p:style>
+            <a:lnRef idx="2">
+              <a:schemeClr val="accent1">
+                <a:shade val="50000"/>
+              </a:schemeClr>
+            </a:lnRef>
+            <a:fillRef idx="1">
+              <a:schemeClr val="accent1"/>
+            </a:fillRef>
+            <a:effectRef idx="0">
+              <a:schemeClr val="accent1"/>
+            </a:effectRef>
+            <a:fontRef idx="minor">
+              <a:schemeClr val="lt1"/>
+            </a:fontRef>
+          </p:style>
+          <p:txBody>
+            <a:bodyPr rtlCol="0" anchor="ctr"/>
+            <a:lstStyle/>
+            <a:p>
+              <a:pPr algn="ctr"/>
+              <a:endParaRPr lang="en-NZ"/>
+            </a:p>
+          </p:txBody>
+        </p:sp>
+        <p:sp>
+          <p:nvSpPr>
+            <p:cNvPr id="9" name="Moon 8">
+              <a:extLst>
+                <a:ext uri="{FF2B5EF4-FFF2-40B4-BE49-F238E27FC236}">
+                  <a16:creationId xmlns:a16="http://schemas.microsoft.com/office/drawing/2014/main" id="{83A33350-09E1-4FD2-99D6-E053EAE427A5}"/>
+                </a:ext>
+              </a:extLst>
+            </p:cNvPr>
+            <p:cNvSpPr/>
+            <p:nvPr/>
+          </p:nvSpPr>
+          <p:spPr>
+            <a:xfrm rot="10436289" flipH="1">
+              <a:off x="4142982" y="2878714"/>
+              <a:ext cx="734646" cy="2333918"/>
+            </a:xfrm>
+            <a:prstGeom prst="moon">
+              <a:avLst>
+                <a:gd name="adj" fmla="val 76950"/>
+              </a:avLst>
+            </a:prstGeom>
+            <a:solidFill>
+              <a:srgbClr val="008000"/>
+            </a:solidFill>
+            <a:ln>
+              <a:solidFill>
+                <a:schemeClr val="tx1"/>
+              </a:solidFill>
+            </a:ln>
+          </p:spPr>
+          <p:style>
+            <a:lnRef idx="2">
+              <a:schemeClr val="accent1">
+                <a:shade val="50000"/>
+              </a:schemeClr>
+            </a:lnRef>
+            <a:fillRef idx="1">
+              <a:schemeClr val="accent1"/>
+            </a:fillRef>
+            <a:effectRef idx="0">
+              <a:schemeClr val="accent1"/>
+            </a:effectRef>
+            <a:fontRef idx="minor">
+              <a:schemeClr val="lt1"/>
+            </a:fontRef>
+          </p:style>
+          <p:txBody>
+            <a:bodyPr rtlCol="0" anchor="ctr"/>
+            <a:lstStyle/>
+            <a:p>
+              <a:pPr algn="ctr"/>
+              <a:endParaRPr lang="en-NZ"/>
+            </a:p>
+          </p:txBody>
+        </p:sp>
+        <p:sp>
+          <p:nvSpPr>
+            <p:cNvPr id="10" name="Moon 9">
+              <a:extLst>
+                <a:ext uri="{FF2B5EF4-FFF2-40B4-BE49-F238E27FC236}">
+                  <a16:creationId xmlns:a16="http://schemas.microsoft.com/office/drawing/2014/main" id="{200D7A3E-5377-46EA-8D08-4FAE5247DE62}"/>
+                </a:ext>
+              </a:extLst>
+            </p:cNvPr>
+            <p:cNvSpPr/>
+            <p:nvPr/>
+          </p:nvSpPr>
+          <p:spPr>
+            <a:xfrm rot="6247598">
+              <a:off x="5223281" y="2071678"/>
+              <a:ext cx="734646" cy="2333918"/>
+            </a:xfrm>
+            <a:prstGeom prst="moon">
+              <a:avLst>
+                <a:gd name="adj" fmla="val 76950"/>
+              </a:avLst>
+            </a:prstGeom>
+            <a:solidFill>
+              <a:srgbClr val="008000"/>
+            </a:solidFill>
+            <a:ln>
+              <a:solidFill>
+                <a:schemeClr val="tx1"/>
+              </a:solidFill>
+            </a:ln>
+          </p:spPr>
+          <p:style>
+            <a:lnRef idx="2">
+              <a:schemeClr val="accent1">
+                <a:shade val="50000"/>
+              </a:schemeClr>
+            </a:lnRef>
+            <a:fillRef idx="1">
+              <a:schemeClr val="accent1"/>
+            </a:fillRef>
+            <a:effectRef idx="0">
+              <a:schemeClr val="accent1"/>
+            </a:effectRef>
+            <a:fontRef idx="minor">
+              <a:schemeClr val="lt1"/>
+            </a:fontRef>
+          </p:style>
+          <p:txBody>
+            <a:bodyPr rtlCol="0" anchor="ctr"/>
+            <a:lstStyle/>
+            <a:p>
+              <a:pPr algn="ctr"/>
+              <a:endParaRPr lang="en-NZ"/>
+            </a:p>
+          </p:txBody>
+        </p:sp>
+        <p:sp>
+          <p:nvSpPr>
+            <p:cNvPr id="11" name="Moon 10">
+              <a:extLst>
+                <a:ext uri="{FF2B5EF4-FFF2-40B4-BE49-F238E27FC236}">
+                  <a16:creationId xmlns:a16="http://schemas.microsoft.com/office/drawing/2014/main" id="{FC5E2618-1A4D-42A7-914E-131EBF13BEA3}"/>
+                </a:ext>
+              </a:extLst>
+            </p:cNvPr>
+            <p:cNvSpPr/>
+            <p:nvPr/>
+          </p:nvSpPr>
+          <p:spPr>
+            <a:xfrm rot="16455957" flipH="1">
+              <a:off x="3327847" y="1706899"/>
+              <a:ext cx="734646" cy="2333918"/>
+            </a:xfrm>
+            <a:prstGeom prst="moon">
+              <a:avLst>
+                <a:gd name="adj" fmla="val 76950"/>
+              </a:avLst>
+            </a:prstGeom>
+            <a:solidFill>
+              <a:srgbClr val="008000"/>
+            </a:solidFill>
+            <a:ln>
+              <a:solidFill>
+                <a:schemeClr val="tx1"/>
+              </a:solidFill>
+            </a:ln>
+          </p:spPr>
+          <p:style>
+            <a:lnRef idx="2">
+              <a:schemeClr val="accent1">
+                <a:shade val="50000"/>
+              </a:schemeClr>
+            </a:lnRef>
+            <a:fillRef idx="1">
+              <a:schemeClr val="accent1"/>
+            </a:fillRef>
+            <a:effectRef idx="0">
+              <a:schemeClr val="accent1"/>
+            </a:effectRef>
+            <a:fontRef idx="minor">
+              <a:schemeClr val="lt1"/>
+            </a:fontRef>
+          </p:style>
+          <p:txBody>
+            <a:bodyPr rtlCol="0" anchor="ctr"/>
+            <a:lstStyle/>
+            <a:p>
+              <a:pPr algn="ctr"/>
+              <a:endParaRPr lang="en-NZ"/>
+            </a:p>
+          </p:txBody>
+        </p:sp>
+        <p:sp>
+          <p:nvSpPr>
+            <p:cNvPr id="16" name="Oval 15">
+              <a:extLst>
+                <a:ext uri="{FF2B5EF4-FFF2-40B4-BE49-F238E27FC236}">
+                  <a16:creationId xmlns:a16="http://schemas.microsoft.com/office/drawing/2014/main" id="{5AD07F34-EB09-498B-B71A-4A0EF45EF26D}"/>
+                </a:ext>
+              </a:extLst>
+            </p:cNvPr>
+            <p:cNvSpPr/>
+            <p:nvPr/>
+          </p:nvSpPr>
+          <p:spPr>
+            <a:xfrm>
+              <a:off x="4624431" y="3038698"/>
+              <a:ext cx="419450" cy="419450"/>
+            </a:xfrm>
+            <a:prstGeom prst="ellipse">
+              <a:avLst/>
+            </a:prstGeom>
+            <a:blipFill>
+              <a:blip r:embed="rId2"/>
+              <a:tile tx="0" ty="0" sx="100000" sy="100000" flip="none" algn="tl"/>
+            </a:blipFill>
+            <a:ln>
+              <a:solidFill>
+                <a:schemeClr val="tx1"/>
+              </a:solidFill>
+            </a:ln>
+          </p:spPr>
+          <p:style>
+            <a:lnRef idx="2">
+              <a:schemeClr val="accent1">
+                <a:shade val="50000"/>
+              </a:schemeClr>
+            </a:lnRef>
+            <a:fillRef idx="1">
+              <a:schemeClr val="accent1"/>
+            </a:fillRef>
+            <a:effectRef idx="0">
+              <a:schemeClr val="accent1"/>
+            </a:effectRef>
+            <a:fontRef idx="minor">
+              <a:schemeClr val="lt1"/>
+            </a:fontRef>
+          </p:style>
+          <p:txBody>
+            <a:bodyPr rtlCol="0" anchor="ctr"/>
+            <a:lstStyle/>
+            <a:p>
+              <a:pPr algn="ctr"/>
+              <a:endParaRPr lang="en-NZ"/>
+            </a:p>
+          </p:txBody>
+        </p:sp>
+        <p:sp>
+          <p:nvSpPr>
+            <p:cNvPr id="17" name="Oval 16">
+              <a:extLst>
+                <a:ext uri="{FF2B5EF4-FFF2-40B4-BE49-F238E27FC236}">
+                  <a16:creationId xmlns:a16="http://schemas.microsoft.com/office/drawing/2014/main" id="{48A3FC19-357B-4251-BCE9-8D40D6792F42}"/>
+                </a:ext>
+              </a:extLst>
+            </p:cNvPr>
+            <p:cNvSpPr/>
+            <p:nvPr/>
+          </p:nvSpPr>
+          <p:spPr>
+            <a:xfrm>
+              <a:off x="4651225" y="2680451"/>
+              <a:ext cx="419450" cy="419450"/>
+            </a:xfrm>
+            <a:prstGeom prst="ellipse">
+              <a:avLst/>
+            </a:prstGeom>
+            <a:blipFill>
+              <a:blip r:embed="rId2"/>
+              <a:tile tx="0" ty="0" sx="100000" sy="100000" flip="none" algn="tl"/>
+            </a:blipFill>
+            <a:ln>
+              <a:solidFill>
+                <a:schemeClr val="tx1"/>
+              </a:solidFill>
+            </a:ln>
+          </p:spPr>
+          <p:style>
+            <a:lnRef idx="2">
+              <a:schemeClr val="accent1">
+                <a:shade val="50000"/>
+              </a:schemeClr>
+            </a:lnRef>
+            <a:fillRef idx="1">
+              <a:schemeClr val="accent1"/>
+            </a:fillRef>
+            <a:effectRef idx="0">
+              <a:schemeClr val="accent1"/>
+            </a:effectRef>
+            <a:fontRef idx="minor">
+              <a:schemeClr val="lt1"/>
+            </a:fontRef>
+          </p:style>
+          <p:txBody>
+            <a:bodyPr rtlCol="0" anchor="ctr"/>
+            <a:lstStyle/>
+            <a:p>
+              <a:pPr algn="ctr"/>
+              <a:endParaRPr lang="en-NZ"/>
+            </a:p>
+          </p:txBody>
+        </p:sp>
+        <p:sp>
+          <p:nvSpPr>
+            <p:cNvPr id="20" name="Oval 19">
+              <a:extLst>
+                <a:ext uri="{FF2B5EF4-FFF2-40B4-BE49-F238E27FC236}">
+                  <a16:creationId xmlns:a16="http://schemas.microsoft.com/office/drawing/2014/main" id="{E437C5DA-2554-41C2-9EC0-139C93601301}"/>
+                </a:ext>
+              </a:extLst>
+            </p:cNvPr>
+            <p:cNvSpPr/>
+            <p:nvPr/>
+          </p:nvSpPr>
+          <p:spPr>
+            <a:xfrm>
+              <a:off x="4049579" y="2506531"/>
+              <a:ext cx="419450" cy="419450"/>
+            </a:xfrm>
+            <a:prstGeom prst="ellipse">
+              <a:avLst/>
+            </a:prstGeom>
+            <a:blipFill>
+              <a:blip r:embed="rId2"/>
+              <a:tile tx="0" ty="0" sx="100000" sy="100000" flip="none" algn="tl"/>
+            </a:blipFill>
+            <a:ln>
+              <a:solidFill>
+                <a:schemeClr val="tx1"/>
+              </a:solidFill>
+            </a:ln>
+          </p:spPr>
+          <p:style>
+            <a:lnRef idx="2">
+              <a:schemeClr val="accent1">
+                <a:shade val="50000"/>
+              </a:schemeClr>
+            </a:lnRef>
+            <a:fillRef idx="1">
+              <a:schemeClr val="accent1"/>
+            </a:fillRef>
+            <a:effectRef idx="0">
+              <a:schemeClr val="accent1"/>
+            </a:effectRef>
+            <a:fontRef idx="minor">
+              <a:schemeClr val="lt1"/>
+            </a:fontRef>
+          </p:style>
+          <p:txBody>
+            <a:bodyPr rtlCol="0" anchor="ctr"/>
+            <a:lstStyle/>
+            <a:p>
+              <a:pPr algn="ctr"/>
+              <a:endParaRPr lang="en-NZ"/>
+            </a:p>
+          </p:txBody>
+        </p:sp>
+        <p:sp>
+          <p:nvSpPr>
+            <p:cNvPr id="13" name="Moon 12">
+              <a:extLst>
+                <a:ext uri="{FF2B5EF4-FFF2-40B4-BE49-F238E27FC236}">
+                  <a16:creationId xmlns:a16="http://schemas.microsoft.com/office/drawing/2014/main" id="{417AFC9D-C70A-40A1-95F0-54F6B77CEF8D}"/>
+                </a:ext>
+              </a:extLst>
+            </p:cNvPr>
+            <p:cNvSpPr/>
+            <p:nvPr/>
+          </p:nvSpPr>
+          <p:spPr>
+            <a:xfrm rot="536502" flipH="1">
+              <a:off x="4194496" y="1247561"/>
+              <a:ext cx="734646" cy="2333918"/>
+            </a:xfrm>
+            <a:prstGeom prst="moon">
+              <a:avLst>
+                <a:gd name="adj" fmla="val 76950"/>
+              </a:avLst>
+            </a:prstGeom>
+            <a:solidFill>
+              <a:srgbClr val="008000"/>
+            </a:solidFill>
+            <a:ln>
+              <a:solidFill>
+                <a:schemeClr val="tx1"/>
+              </a:solidFill>
+            </a:ln>
+          </p:spPr>
+          <p:style>
+            <a:lnRef idx="2">
+              <a:schemeClr val="accent1">
+                <a:shade val="50000"/>
+              </a:schemeClr>
+            </a:lnRef>
+            <a:fillRef idx="1">
+              <a:schemeClr val="accent1"/>
+            </a:fillRef>
+            <a:effectRef idx="0">
+              <a:schemeClr val="accent1"/>
+            </a:effectRef>
+            <a:fontRef idx="minor">
+              <a:schemeClr val="lt1"/>
+            </a:fontRef>
+          </p:style>
+          <p:txBody>
+            <a:bodyPr rtlCol="0" anchor="ctr"/>
+            <a:lstStyle/>
+            <a:p>
+              <a:pPr algn="ctr"/>
+              <a:endParaRPr lang="en-NZ"/>
+            </a:p>
+          </p:txBody>
+        </p:sp>
+        <p:sp>
+          <p:nvSpPr>
+            <p:cNvPr id="14" name="Moon 13">
+              <a:extLst>
+                <a:ext uri="{FF2B5EF4-FFF2-40B4-BE49-F238E27FC236}">
+                  <a16:creationId xmlns:a16="http://schemas.microsoft.com/office/drawing/2014/main" id="{61CFC362-87FA-4382-B718-6BC124996393}"/>
+                </a:ext>
+              </a:extLst>
+            </p:cNvPr>
+            <p:cNvSpPr/>
+            <p:nvPr/>
+          </p:nvSpPr>
+          <p:spPr>
+            <a:xfrm rot="13288327" flipH="1">
+              <a:off x="3223453" y="2630252"/>
+              <a:ext cx="734646" cy="2333918"/>
+            </a:xfrm>
+            <a:prstGeom prst="moon">
+              <a:avLst>
+                <a:gd name="adj" fmla="val 76950"/>
+              </a:avLst>
+            </a:prstGeom>
+            <a:solidFill>
+              <a:srgbClr val="008000"/>
+            </a:solidFill>
+            <a:ln>
+              <a:solidFill>
+                <a:schemeClr val="tx1"/>
+              </a:solidFill>
+            </a:ln>
+          </p:spPr>
+          <p:style>
+            <a:lnRef idx="2">
+              <a:schemeClr val="accent1">
+                <a:shade val="50000"/>
+              </a:schemeClr>
+            </a:lnRef>
+            <a:fillRef idx="1">
+              <a:schemeClr val="accent1"/>
+            </a:fillRef>
+            <a:effectRef idx="0">
+              <a:schemeClr val="accent1"/>
+            </a:effectRef>
+            <a:fontRef idx="minor">
+              <a:schemeClr val="lt1"/>
+            </a:fontRef>
+          </p:style>
+          <p:txBody>
+            <a:bodyPr rtlCol="0" anchor="ctr"/>
+            <a:lstStyle/>
+            <a:p>
+              <a:pPr algn="ctr"/>
+              <a:endParaRPr lang="en-NZ"/>
+            </a:p>
+          </p:txBody>
+        </p:sp>
+        <p:sp>
+          <p:nvSpPr>
+            <p:cNvPr id="19" name="Oval 18">
+              <a:extLst>
+                <a:ext uri="{FF2B5EF4-FFF2-40B4-BE49-F238E27FC236}">
+                  <a16:creationId xmlns:a16="http://schemas.microsoft.com/office/drawing/2014/main" id="{E6D31AA6-EF96-4093-9F73-B89BE9956AAA}"/>
+                </a:ext>
+              </a:extLst>
+            </p:cNvPr>
+            <p:cNvSpPr/>
+            <p:nvPr/>
+          </p:nvSpPr>
+          <p:spPr>
+            <a:xfrm>
+              <a:off x="3980107" y="2945888"/>
+              <a:ext cx="419450" cy="419450"/>
+            </a:xfrm>
+            <a:prstGeom prst="ellipse">
+              <a:avLst/>
+            </a:prstGeom>
+            <a:blipFill>
+              <a:blip r:embed="rId2"/>
+              <a:tile tx="0" ty="0" sx="100000" sy="100000" flip="none" algn="tl"/>
+            </a:blipFill>
+            <a:ln>
+              <a:solidFill>
+                <a:schemeClr val="tx1"/>
+              </a:solidFill>
+            </a:ln>
+          </p:spPr>
+          <p:style>
+            <a:lnRef idx="2">
+              <a:schemeClr val="accent1">
+                <a:shade val="50000"/>
+              </a:schemeClr>
+            </a:lnRef>
+            <a:fillRef idx="1">
+              <a:schemeClr val="accent1"/>
+            </a:fillRef>
+            <a:effectRef idx="0">
+              <a:schemeClr val="accent1"/>
+            </a:effectRef>
+            <a:fontRef idx="minor">
+              <a:schemeClr val="lt1"/>
+            </a:fontRef>
+          </p:style>
+          <p:txBody>
+            <a:bodyPr rtlCol="0" anchor="ctr"/>
+            <a:lstStyle/>
+            <a:p>
+              <a:pPr algn="ctr"/>
+              <a:endParaRPr lang="en-NZ"/>
+            </a:p>
+          </p:txBody>
+        </p:sp>
+        <p:sp>
+          <p:nvSpPr>
+            <p:cNvPr id="12" name="Moon 11">
+              <a:extLst>
+                <a:ext uri="{FF2B5EF4-FFF2-40B4-BE49-F238E27FC236}">
+                  <a16:creationId xmlns:a16="http://schemas.microsoft.com/office/drawing/2014/main" id="{C2A684DB-9C56-4438-B486-12C83977141F}"/>
+                </a:ext>
+              </a:extLst>
+            </p:cNvPr>
+            <p:cNvSpPr/>
+            <p:nvPr/>
+          </p:nvSpPr>
+          <p:spPr>
+            <a:xfrm rot="7243573" flipH="1">
+              <a:off x="3249183" y="1559699"/>
+              <a:ext cx="734646" cy="2333918"/>
+            </a:xfrm>
+            <a:prstGeom prst="moon">
+              <a:avLst>
+                <a:gd name="adj" fmla="val 76950"/>
+              </a:avLst>
+            </a:prstGeom>
+            <a:solidFill>
+              <a:srgbClr val="008000"/>
+            </a:solidFill>
+            <a:ln>
+              <a:solidFill>
+                <a:schemeClr val="tx1"/>
+              </a:solidFill>
+            </a:ln>
+          </p:spPr>
+          <p:style>
+            <a:lnRef idx="2">
+              <a:schemeClr val="accent1">
+                <a:shade val="50000"/>
+              </a:schemeClr>
+            </a:lnRef>
+            <a:fillRef idx="1">
+              <a:schemeClr val="accent1"/>
+            </a:fillRef>
+            <a:effectRef idx="0">
+              <a:schemeClr val="accent1"/>
+            </a:effectRef>
+            <a:fontRef idx="minor">
+              <a:schemeClr val="lt1"/>
+            </a:fontRef>
+          </p:style>
+          <p:txBody>
+            <a:bodyPr rtlCol="0" anchor="ctr"/>
+            <a:lstStyle/>
+            <a:p>
+              <a:pPr algn="ctr"/>
+              <a:endParaRPr lang="en-NZ"/>
+            </a:p>
+          </p:txBody>
+        </p:sp>
+        <p:sp>
+          <p:nvSpPr>
+            <p:cNvPr id="18" name="Oval 17">
+              <a:extLst>
+                <a:ext uri="{FF2B5EF4-FFF2-40B4-BE49-F238E27FC236}">
+                  <a16:creationId xmlns:a16="http://schemas.microsoft.com/office/drawing/2014/main" id="{E13666E7-B565-4D7C-B6F3-F3C172E99D7B}"/>
+                </a:ext>
+              </a:extLst>
+            </p:cNvPr>
+            <p:cNvSpPr/>
+            <p:nvPr/>
+          </p:nvSpPr>
+          <p:spPr>
+            <a:xfrm>
+              <a:off x="4252938" y="3227670"/>
+              <a:ext cx="419450" cy="419450"/>
+            </a:xfrm>
+            <a:prstGeom prst="ellipse">
+              <a:avLst/>
+            </a:prstGeom>
+            <a:blipFill>
+              <a:blip r:embed="rId2"/>
+              <a:tile tx="0" ty="0" sx="100000" sy="100000" flip="none" algn="tl"/>
+            </a:blipFill>
+            <a:ln>
+              <a:solidFill>
+                <a:schemeClr val="tx1"/>
+              </a:solidFill>
+            </a:ln>
+          </p:spPr>
+          <p:style>
+            <a:lnRef idx="2">
+              <a:schemeClr val="accent1">
+                <a:shade val="50000"/>
+              </a:schemeClr>
+            </a:lnRef>
+            <a:fillRef idx="1">
+              <a:schemeClr val="accent1"/>
+            </a:fillRef>
+            <a:effectRef idx="0">
+              <a:schemeClr val="accent1"/>
+            </a:effectRef>
+            <a:fontRef idx="minor">
+              <a:schemeClr val="lt1"/>
+            </a:fontRef>
+          </p:style>
+          <p:txBody>
+            <a:bodyPr rtlCol="0" anchor="ctr"/>
+            <a:lstStyle/>
+            <a:p>
+              <a:pPr algn="ctr"/>
+              <a:endParaRPr lang="en-NZ"/>
+            </a:p>
+          </p:txBody>
+        </p:sp>
+        <p:sp>
+          <p:nvSpPr>
+            <p:cNvPr id="15" name="Moon 14">
+              <a:extLst>
+                <a:ext uri="{FF2B5EF4-FFF2-40B4-BE49-F238E27FC236}">
+                  <a16:creationId xmlns:a16="http://schemas.microsoft.com/office/drawing/2014/main" id="{868FC6C9-000D-42EA-B400-81C8C4C723B3}"/>
+                </a:ext>
+              </a:extLst>
+            </p:cNvPr>
+            <p:cNvSpPr/>
+            <p:nvPr/>
+          </p:nvSpPr>
+          <p:spPr>
+            <a:xfrm rot="7620947" flipH="1">
+              <a:off x="4906891" y="2752045"/>
+              <a:ext cx="734646" cy="2333918"/>
+            </a:xfrm>
+            <a:prstGeom prst="moon">
+              <a:avLst>
+                <a:gd name="adj" fmla="val 76950"/>
+              </a:avLst>
+            </a:prstGeom>
+            <a:solidFill>
+              <a:srgbClr val="008000"/>
+            </a:solidFill>
+            <a:ln>
+              <a:solidFill>
+                <a:schemeClr val="tx1"/>
+              </a:solidFill>
+            </a:ln>
+          </p:spPr>
+          <p:style>
+            <a:lnRef idx="2">
+              <a:schemeClr val="accent1">
+                <a:shade val="50000"/>
+              </a:schemeClr>
+            </a:lnRef>
+            <a:fillRef idx="1">
+              <a:schemeClr val="accent1"/>
+            </a:fillRef>
+            <a:effectRef idx="0">
+              <a:schemeClr val="accent1"/>
+            </a:effectRef>
+            <a:fontRef idx="minor">
+              <a:schemeClr val="lt1"/>
+            </a:fontRef>
+          </p:style>
+          <p:txBody>
+            <a:bodyPr rtlCol="0" anchor="ctr"/>
+            <a:lstStyle/>
+            <a:p>
+              <a:pPr algn="ctr"/>
+              <a:endParaRPr lang="en-NZ"/>
+            </a:p>
+          </p:txBody>
+        </p:sp>
+      </p:grpSp>
+      <p:grpSp>
+        <p:nvGrpSpPr>
+          <p:cNvPr id="62" name="Group 61">
+            <a:extLst>
+              <a:ext uri="{FF2B5EF4-FFF2-40B4-BE49-F238E27FC236}">
+                <a16:creationId xmlns:a16="http://schemas.microsoft.com/office/drawing/2014/main" id="{A4CE6D2A-8FFB-4E94-83EC-66B38952E318}"/>
+              </a:ext>
+            </a:extLst>
+          </p:cNvPr>
+          <p:cNvGrpSpPr/>
+          <p:nvPr/>
+        </p:nvGrpSpPr>
+        <p:grpSpPr>
+          <a:xfrm>
+            <a:off x="6609335" y="911808"/>
+            <a:ext cx="4411922" cy="4098268"/>
+            <a:chOff x="2379322" y="1114364"/>
+            <a:chExt cx="4411922" cy="4098268"/>
+          </a:xfrm>
+        </p:grpSpPr>
+        <p:sp>
+          <p:nvSpPr>
+            <p:cNvPr id="63" name="Flowchart: Connector 62">
+              <a:extLst>
+                <a:ext uri="{FF2B5EF4-FFF2-40B4-BE49-F238E27FC236}">
+                  <a16:creationId xmlns:a16="http://schemas.microsoft.com/office/drawing/2014/main" id="{EF3A26EB-0ECF-43AB-98A2-22256F307DB7}"/>
+                </a:ext>
+              </a:extLst>
+            </p:cNvPr>
+            <p:cNvSpPr/>
+            <p:nvPr/>
+          </p:nvSpPr>
+          <p:spPr>
+            <a:xfrm>
+              <a:off x="2882420" y="2622197"/>
+              <a:ext cx="881273" cy="881273"/>
+            </a:xfrm>
+            <a:prstGeom prst="flowChartConnector">
+              <a:avLst/>
+            </a:prstGeom>
+            <a:solidFill>
+              <a:srgbClr val="663300"/>
+            </a:solidFill>
+            <a:ln>
+              <a:solidFill>
+                <a:schemeClr val="tx1"/>
+              </a:solidFill>
+            </a:ln>
+          </p:spPr>
+          <p:style>
+            <a:lnRef idx="2">
+              <a:schemeClr val="accent1">
+                <a:shade val="50000"/>
+              </a:schemeClr>
+            </a:lnRef>
+            <a:fillRef idx="1">
+              <a:schemeClr val="accent1"/>
+            </a:fillRef>
+            <a:effectRef idx="0">
+              <a:schemeClr val="accent1"/>
+            </a:effectRef>
+            <a:fontRef idx="minor">
+              <a:schemeClr val="lt1"/>
+            </a:fontRef>
+          </p:style>
+          <p:txBody>
+            <a:bodyPr rtlCol="0" anchor="ctr"/>
+            <a:lstStyle/>
+            <a:p>
+              <a:pPr algn="ctr"/>
+              <a:endParaRPr lang="en-NZ"/>
+            </a:p>
+          </p:txBody>
+        </p:sp>
+        <p:sp>
+          <p:nvSpPr>
+            <p:cNvPr id="64" name="Flowchart: Connector 63">
+              <a:extLst>
+                <a:ext uri="{FF2B5EF4-FFF2-40B4-BE49-F238E27FC236}">
+                  <a16:creationId xmlns:a16="http://schemas.microsoft.com/office/drawing/2014/main" id="{7576E669-CA86-488A-B710-AF8D51560436}"/>
+                </a:ext>
+              </a:extLst>
+            </p:cNvPr>
+            <p:cNvSpPr/>
+            <p:nvPr/>
+          </p:nvSpPr>
+          <p:spPr>
+            <a:xfrm>
+              <a:off x="3078244" y="2622196"/>
+              <a:ext cx="881273" cy="881273"/>
+            </a:xfrm>
+            <a:prstGeom prst="flowChartConnector">
+              <a:avLst/>
+            </a:prstGeom>
+            <a:solidFill>
+              <a:srgbClr val="663300"/>
+            </a:solidFill>
+            <a:ln>
+              <a:solidFill>
+                <a:schemeClr val="tx1"/>
+              </a:solidFill>
+            </a:ln>
+          </p:spPr>
+          <p:style>
+            <a:lnRef idx="2">
+              <a:schemeClr val="accent1">
+                <a:shade val="50000"/>
+              </a:schemeClr>
+            </a:lnRef>
+            <a:fillRef idx="1">
+              <a:schemeClr val="accent1"/>
+            </a:fillRef>
+            <a:effectRef idx="0">
+              <a:schemeClr val="accent1"/>
+            </a:effectRef>
+            <a:fontRef idx="minor">
+              <a:schemeClr val="lt1"/>
+            </a:fontRef>
+          </p:style>
+          <p:txBody>
+            <a:bodyPr rtlCol="0" anchor="ctr"/>
+            <a:lstStyle/>
+            <a:p>
+              <a:pPr algn="ctr"/>
+              <a:endParaRPr lang="en-NZ"/>
+            </a:p>
+          </p:txBody>
+        </p:sp>
+        <p:sp>
+          <p:nvSpPr>
+            <p:cNvPr id="65" name="Flowchart: Connector 64">
+              <a:extLst>
+                <a:ext uri="{FF2B5EF4-FFF2-40B4-BE49-F238E27FC236}">
+                  <a16:creationId xmlns:a16="http://schemas.microsoft.com/office/drawing/2014/main" id="{69150809-2758-4541-A084-55B82E3855E7}"/>
+                </a:ext>
+              </a:extLst>
+            </p:cNvPr>
+            <p:cNvSpPr/>
+            <p:nvPr/>
+          </p:nvSpPr>
+          <p:spPr>
+            <a:xfrm>
+              <a:off x="3223691" y="2754055"/>
+              <a:ext cx="881273" cy="881273"/>
+            </a:xfrm>
+            <a:prstGeom prst="flowChartConnector">
+              <a:avLst/>
+            </a:prstGeom>
+            <a:solidFill>
+              <a:srgbClr val="663300"/>
+            </a:solidFill>
+            <a:ln>
+              <a:solidFill>
+                <a:schemeClr val="tx1"/>
+              </a:solidFill>
+            </a:ln>
+          </p:spPr>
+          <p:style>
+            <a:lnRef idx="2">
+              <a:schemeClr val="accent1">
+                <a:shade val="50000"/>
+              </a:schemeClr>
+            </a:lnRef>
+            <a:fillRef idx="1">
+              <a:schemeClr val="accent1"/>
+            </a:fillRef>
+            <a:effectRef idx="0">
+              <a:schemeClr val="accent1"/>
+            </a:effectRef>
+            <a:fontRef idx="minor">
+              <a:schemeClr val="lt1"/>
+            </a:fontRef>
+          </p:style>
+          <p:txBody>
+            <a:bodyPr rtlCol="0" anchor="ctr"/>
+            <a:lstStyle/>
+            <a:p>
+              <a:pPr algn="ctr"/>
+              <a:endParaRPr lang="en-NZ"/>
+            </a:p>
+          </p:txBody>
+        </p:sp>
+        <p:sp>
+          <p:nvSpPr>
+            <p:cNvPr id="66" name="Flowchart: Connector 65">
+              <a:extLst>
+                <a:ext uri="{FF2B5EF4-FFF2-40B4-BE49-F238E27FC236}">
+                  <a16:creationId xmlns:a16="http://schemas.microsoft.com/office/drawing/2014/main" id="{6104080D-0D46-493F-B931-F7FF01627281}"/>
+                </a:ext>
+              </a:extLst>
+            </p:cNvPr>
+            <p:cNvSpPr/>
+            <p:nvPr/>
+          </p:nvSpPr>
+          <p:spPr>
+            <a:xfrm>
+              <a:off x="3382575" y="2881561"/>
+              <a:ext cx="881273" cy="881273"/>
+            </a:xfrm>
+            <a:prstGeom prst="flowChartConnector">
+              <a:avLst/>
+            </a:prstGeom>
+            <a:solidFill>
+              <a:srgbClr val="663300"/>
+            </a:solidFill>
+            <a:ln>
+              <a:solidFill>
+                <a:schemeClr val="tx1"/>
+              </a:solidFill>
+            </a:ln>
+          </p:spPr>
+          <p:style>
+            <a:lnRef idx="2">
+              <a:schemeClr val="accent1">
+                <a:shade val="50000"/>
+              </a:schemeClr>
+            </a:lnRef>
+            <a:fillRef idx="1">
+              <a:schemeClr val="accent1"/>
+            </a:fillRef>
+            <a:effectRef idx="0">
+              <a:schemeClr val="accent1"/>
+            </a:effectRef>
+            <a:fontRef idx="minor">
+              <a:schemeClr val="lt1"/>
+            </a:fontRef>
+          </p:style>
+          <p:txBody>
+            <a:bodyPr rtlCol="0" anchor="ctr"/>
+            <a:lstStyle/>
+            <a:p>
+              <a:pPr algn="ctr"/>
+              <a:endParaRPr lang="en-NZ"/>
+            </a:p>
+          </p:txBody>
+        </p:sp>
+        <p:sp>
+          <p:nvSpPr>
+            <p:cNvPr id="67" name="Flowchart: Connector 66">
+              <a:extLst>
+                <a:ext uri="{FF2B5EF4-FFF2-40B4-BE49-F238E27FC236}">
+                  <a16:creationId xmlns:a16="http://schemas.microsoft.com/office/drawing/2014/main" id="{7CCE0052-CB12-4023-8C26-17A986DF559D}"/>
+                </a:ext>
+              </a:extLst>
+            </p:cNvPr>
+            <p:cNvSpPr/>
+            <p:nvPr/>
+          </p:nvSpPr>
+          <p:spPr>
+            <a:xfrm>
+              <a:off x="3528781" y="2921325"/>
+              <a:ext cx="881273" cy="881273"/>
+            </a:xfrm>
+            <a:prstGeom prst="flowChartConnector">
+              <a:avLst/>
+            </a:prstGeom>
+            <a:solidFill>
+              <a:srgbClr val="663300"/>
+            </a:solidFill>
+            <a:ln>
+              <a:solidFill>
+                <a:schemeClr val="tx1"/>
+              </a:solidFill>
+            </a:ln>
+          </p:spPr>
+          <p:style>
+            <a:lnRef idx="2">
+              <a:schemeClr val="accent1">
+                <a:shade val="50000"/>
+              </a:schemeClr>
+            </a:lnRef>
+            <a:fillRef idx="1">
+              <a:schemeClr val="accent1"/>
+            </a:fillRef>
+            <a:effectRef idx="0">
+              <a:schemeClr val="accent1"/>
+            </a:effectRef>
+            <a:fontRef idx="minor">
+              <a:schemeClr val="lt1"/>
+            </a:fontRef>
+          </p:style>
+          <p:txBody>
+            <a:bodyPr rtlCol="0" anchor="ctr"/>
+            <a:lstStyle/>
+            <a:p>
+              <a:pPr algn="ctr"/>
+              <a:endParaRPr lang="en-NZ"/>
+            </a:p>
+          </p:txBody>
+        </p:sp>
+        <p:sp>
+          <p:nvSpPr>
+            <p:cNvPr id="68" name="Flowchart: Connector 67">
+              <a:extLst>
+                <a:ext uri="{FF2B5EF4-FFF2-40B4-BE49-F238E27FC236}">
+                  <a16:creationId xmlns:a16="http://schemas.microsoft.com/office/drawing/2014/main" id="{825D6685-619F-4F86-99E8-91F6ACA3CBA5}"/>
+                </a:ext>
+              </a:extLst>
+            </p:cNvPr>
+            <p:cNvSpPr/>
+            <p:nvPr/>
+          </p:nvSpPr>
+          <p:spPr>
+            <a:xfrm>
+              <a:off x="3635837" y="2841797"/>
+              <a:ext cx="881273" cy="881273"/>
+            </a:xfrm>
+            <a:prstGeom prst="flowChartConnector">
+              <a:avLst/>
+            </a:prstGeom>
+            <a:noFill/>
+            <a:ln>
+              <a:noFill/>
+            </a:ln>
+          </p:spPr>
+          <p:style>
+            <a:lnRef idx="2">
+              <a:schemeClr val="accent1">
+                <a:shade val="50000"/>
+              </a:schemeClr>
+            </a:lnRef>
+            <a:fillRef idx="1">
+              <a:schemeClr val="accent1"/>
+            </a:fillRef>
+            <a:effectRef idx="0">
+              <a:schemeClr val="accent1"/>
+            </a:effectRef>
+            <a:fontRef idx="minor">
+              <a:schemeClr val="lt1"/>
+            </a:fontRef>
+          </p:style>
+          <p:txBody>
+            <a:bodyPr rtlCol="0" anchor="ctr"/>
+            <a:lstStyle/>
+            <a:p>
+              <a:pPr algn="ctr"/>
+              <a:endParaRPr lang="en-NZ"/>
+            </a:p>
+          </p:txBody>
+        </p:sp>
+        <p:sp>
+          <p:nvSpPr>
+            <p:cNvPr id="69" name="Flowchart: Connector 68">
+              <a:extLst>
+                <a:ext uri="{FF2B5EF4-FFF2-40B4-BE49-F238E27FC236}">
+                  <a16:creationId xmlns:a16="http://schemas.microsoft.com/office/drawing/2014/main" id="{2748A799-EC90-45F3-8109-2521D52C0BFE}"/>
+                </a:ext>
+              </a:extLst>
+            </p:cNvPr>
+            <p:cNvSpPr/>
+            <p:nvPr/>
+          </p:nvSpPr>
+          <p:spPr>
+            <a:xfrm>
+              <a:off x="3777306" y="2758060"/>
+              <a:ext cx="881273" cy="881273"/>
+            </a:xfrm>
+            <a:prstGeom prst="flowChartConnector">
+              <a:avLst/>
+            </a:prstGeom>
+            <a:noFill/>
+            <a:ln>
+              <a:noFill/>
+            </a:ln>
+          </p:spPr>
+          <p:style>
+            <a:lnRef idx="2">
+              <a:schemeClr val="accent1">
+                <a:shade val="50000"/>
+              </a:schemeClr>
+            </a:lnRef>
+            <a:fillRef idx="1">
+              <a:schemeClr val="accent1"/>
+            </a:fillRef>
+            <a:effectRef idx="0">
+              <a:schemeClr val="accent1"/>
+            </a:effectRef>
+            <a:fontRef idx="minor">
+              <a:schemeClr val="lt1"/>
+            </a:fontRef>
+          </p:style>
+          <p:txBody>
+            <a:bodyPr rtlCol="0" anchor="ctr"/>
+            <a:lstStyle/>
+            <a:p>
+              <a:pPr algn="ctr"/>
+              <a:endParaRPr lang="en-NZ"/>
+            </a:p>
+          </p:txBody>
+        </p:sp>
+        <p:sp>
+          <p:nvSpPr>
+            <p:cNvPr id="70" name="Flowchart: Connector 69">
+              <a:extLst>
+                <a:ext uri="{FF2B5EF4-FFF2-40B4-BE49-F238E27FC236}">
+                  <a16:creationId xmlns:a16="http://schemas.microsoft.com/office/drawing/2014/main" id="{36345711-E3DC-42EF-A3D6-1E8BA93C6931}"/>
+                </a:ext>
+              </a:extLst>
+            </p:cNvPr>
+            <p:cNvSpPr/>
+            <p:nvPr/>
+          </p:nvSpPr>
+          <p:spPr>
+            <a:xfrm>
+              <a:off x="3917589" y="2701724"/>
+              <a:ext cx="881273" cy="881273"/>
+            </a:xfrm>
+            <a:prstGeom prst="flowChartConnector">
+              <a:avLst/>
+            </a:prstGeom>
+            <a:noFill/>
+            <a:ln>
+              <a:noFill/>
+            </a:ln>
+          </p:spPr>
+          <p:style>
+            <a:lnRef idx="2">
+              <a:schemeClr val="accent1">
+                <a:shade val="50000"/>
+              </a:schemeClr>
+            </a:lnRef>
+            <a:fillRef idx="1">
+              <a:schemeClr val="accent1"/>
+            </a:fillRef>
+            <a:effectRef idx="0">
+              <a:schemeClr val="accent1"/>
+            </a:effectRef>
+            <a:fontRef idx="minor">
+              <a:schemeClr val="lt1"/>
+            </a:fontRef>
+          </p:style>
+          <p:txBody>
+            <a:bodyPr rtlCol="0" anchor="ctr"/>
+            <a:lstStyle/>
+            <a:p>
+              <a:pPr algn="ctr"/>
+              <a:endParaRPr lang="en-NZ"/>
+            </a:p>
+          </p:txBody>
+        </p:sp>
+        <p:sp>
+          <p:nvSpPr>
+            <p:cNvPr id="71" name="Flowchart: Connector 70">
+              <a:extLst>
+                <a:ext uri="{FF2B5EF4-FFF2-40B4-BE49-F238E27FC236}">
+                  <a16:creationId xmlns:a16="http://schemas.microsoft.com/office/drawing/2014/main" id="{4AF340B5-6757-4799-B0FE-631C126F7F0F}"/>
+                </a:ext>
+              </a:extLst>
+            </p:cNvPr>
+            <p:cNvSpPr/>
+            <p:nvPr/>
+          </p:nvSpPr>
+          <p:spPr>
+            <a:xfrm>
+              <a:off x="4066573" y="2661960"/>
+              <a:ext cx="881273" cy="881273"/>
+            </a:xfrm>
+            <a:prstGeom prst="flowChartConnector">
+              <a:avLst/>
+            </a:prstGeom>
+            <a:noFill/>
+            <a:ln>
+              <a:noFill/>
+            </a:ln>
+          </p:spPr>
+          <p:style>
+            <a:lnRef idx="2">
+              <a:schemeClr val="accent1">
+                <a:shade val="50000"/>
+              </a:schemeClr>
+            </a:lnRef>
+            <a:fillRef idx="1">
+              <a:schemeClr val="accent1"/>
+            </a:fillRef>
+            <a:effectRef idx="0">
+              <a:schemeClr val="accent1"/>
+            </a:effectRef>
+            <a:fontRef idx="minor">
+              <a:schemeClr val="lt1"/>
+            </a:fontRef>
+          </p:style>
+          <p:txBody>
+            <a:bodyPr rtlCol="0" anchor="ctr"/>
+            <a:lstStyle/>
+            <a:p>
+              <a:pPr algn="ctr"/>
+              <a:endParaRPr lang="en-NZ"/>
+            </a:p>
+          </p:txBody>
+        </p:sp>
+        <p:sp>
+          <p:nvSpPr>
+            <p:cNvPr id="72" name="Flowchart: Connector 71">
+              <a:extLst>
+                <a:ext uri="{FF2B5EF4-FFF2-40B4-BE49-F238E27FC236}">
+                  <a16:creationId xmlns:a16="http://schemas.microsoft.com/office/drawing/2014/main" id="{133D4C53-85B6-404A-83B6-D9F070D2F15B}"/>
+                </a:ext>
+              </a:extLst>
+            </p:cNvPr>
+            <p:cNvSpPr/>
+            <p:nvPr/>
+          </p:nvSpPr>
+          <p:spPr>
+            <a:xfrm>
+              <a:off x="4066572" y="2534454"/>
+              <a:ext cx="881273" cy="881273"/>
+            </a:xfrm>
+            <a:prstGeom prst="flowChartConnector">
+              <a:avLst/>
+            </a:prstGeom>
+            <a:noFill/>
+            <a:ln>
+              <a:noFill/>
+            </a:ln>
+          </p:spPr>
+          <p:style>
+            <a:lnRef idx="2">
+              <a:schemeClr val="accent1">
+                <a:shade val="50000"/>
+              </a:schemeClr>
+            </a:lnRef>
+            <a:fillRef idx="1">
+              <a:schemeClr val="accent1"/>
+            </a:fillRef>
+            <a:effectRef idx="0">
+              <a:schemeClr val="accent1"/>
+            </a:effectRef>
+            <a:fontRef idx="minor">
+              <a:schemeClr val="lt1"/>
+            </a:fontRef>
+          </p:style>
+          <p:txBody>
+            <a:bodyPr rtlCol="0" anchor="ctr"/>
+            <a:lstStyle/>
+            <a:p>
+              <a:pPr algn="ctr"/>
+              <a:endParaRPr lang="en-NZ"/>
+            </a:p>
+          </p:txBody>
+        </p:sp>
+        <p:sp>
+          <p:nvSpPr>
+            <p:cNvPr id="73" name="Moon 72">
+              <a:extLst>
+                <a:ext uri="{FF2B5EF4-FFF2-40B4-BE49-F238E27FC236}">
+                  <a16:creationId xmlns:a16="http://schemas.microsoft.com/office/drawing/2014/main" id="{9C651BDB-6105-4FCA-A9E0-1E01FA7FE159}"/>
+                </a:ext>
+              </a:extLst>
+            </p:cNvPr>
+            <p:cNvSpPr/>
+            <p:nvPr/>
+          </p:nvSpPr>
+          <p:spPr>
+            <a:xfrm rot="15137540">
+              <a:off x="3178958" y="2523693"/>
+              <a:ext cx="734646" cy="2333918"/>
+            </a:xfrm>
+            <a:prstGeom prst="moon">
+              <a:avLst>
+                <a:gd name="adj" fmla="val 76950"/>
+              </a:avLst>
+            </a:prstGeom>
+            <a:noFill/>
+            <a:ln>
+              <a:noFill/>
+            </a:ln>
+          </p:spPr>
+          <p:style>
+            <a:lnRef idx="2">
+              <a:schemeClr val="accent1">
+                <a:shade val="50000"/>
+              </a:schemeClr>
+            </a:lnRef>
+            <a:fillRef idx="1">
+              <a:schemeClr val="accent1"/>
+            </a:fillRef>
+            <a:effectRef idx="0">
+              <a:schemeClr val="accent1"/>
+            </a:effectRef>
+            <a:fontRef idx="minor">
+              <a:schemeClr val="lt1"/>
+            </a:fontRef>
+          </p:style>
+          <p:txBody>
+            <a:bodyPr rtlCol="0" anchor="ctr"/>
+            <a:lstStyle/>
+            <a:p>
+              <a:pPr algn="ctr"/>
+              <a:endParaRPr lang="en-NZ"/>
+            </a:p>
+          </p:txBody>
+        </p:sp>
+        <p:sp>
+          <p:nvSpPr>
+            <p:cNvPr id="74" name="Moon 73">
+              <a:extLst>
+                <a:ext uri="{FF2B5EF4-FFF2-40B4-BE49-F238E27FC236}">
+                  <a16:creationId xmlns:a16="http://schemas.microsoft.com/office/drawing/2014/main" id="{9A6D3C40-34DA-4B16-88E5-03223967351D}"/>
+                </a:ext>
+              </a:extLst>
+            </p:cNvPr>
+            <p:cNvSpPr/>
+            <p:nvPr/>
+          </p:nvSpPr>
+          <p:spPr>
+            <a:xfrm rot="19282375">
+              <a:off x="3604750" y="1316470"/>
+              <a:ext cx="734646" cy="2333918"/>
+            </a:xfrm>
+            <a:prstGeom prst="moon">
+              <a:avLst>
+                <a:gd name="adj" fmla="val 76950"/>
+              </a:avLst>
+            </a:prstGeom>
+            <a:noFill/>
+            <a:ln>
+              <a:noFill/>
+            </a:ln>
+          </p:spPr>
+          <p:style>
+            <a:lnRef idx="2">
+              <a:schemeClr val="accent1">
+                <a:shade val="50000"/>
+              </a:schemeClr>
+            </a:lnRef>
+            <a:fillRef idx="1">
+              <a:schemeClr val="accent1"/>
+            </a:fillRef>
+            <a:effectRef idx="0">
+              <a:schemeClr val="accent1"/>
+            </a:effectRef>
+            <a:fontRef idx="minor">
+              <a:schemeClr val="lt1"/>
+            </a:fontRef>
+          </p:style>
+          <p:txBody>
+            <a:bodyPr rtlCol="0" anchor="ctr"/>
+            <a:lstStyle/>
+            <a:p>
+              <a:pPr algn="ctr"/>
+              <a:endParaRPr lang="en-NZ"/>
+            </a:p>
+          </p:txBody>
+        </p:sp>
+        <p:sp>
+          <p:nvSpPr>
+            <p:cNvPr id="75" name="Moon 74">
+              <a:extLst>
+                <a:ext uri="{FF2B5EF4-FFF2-40B4-BE49-F238E27FC236}">
+                  <a16:creationId xmlns:a16="http://schemas.microsoft.com/office/drawing/2014/main" id="{77B81647-C2BE-491E-A762-C31284DB63E3}"/>
+                </a:ext>
+              </a:extLst>
+            </p:cNvPr>
+            <p:cNvSpPr/>
+            <p:nvPr/>
+          </p:nvSpPr>
+          <p:spPr>
+            <a:xfrm rot="2000029" flipH="1">
+              <a:off x="4748494" y="1114364"/>
+              <a:ext cx="734646" cy="2333918"/>
+            </a:xfrm>
+            <a:prstGeom prst="moon">
+              <a:avLst>
+                <a:gd name="adj" fmla="val 76950"/>
+              </a:avLst>
+            </a:prstGeom>
+            <a:noFill/>
+            <a:ln>
+              <a:noFill/>
+            </a:ln>
+          </p:spPr>
+          <p:style>
+            <a:lnRef idx="2">
+              <a:schemeClr val="accent1">
+                <a:shade val="50000"/>
+              </a:schemeClr>
+            </a:lnRef>
+            <a:fillRef idx="1">
+              <a:schemeClr val="accent1"/>
+            </a:fillRef>
+            <a:effectRef idx="0">
+              <a:schemeClr val="accent1"/>
+            </a:effectRef>
+            <a:fontRef idx="minor">
+              <a:schemeClr val="lt1"/>
+            </a:fontRef>
+          </p:style>
+          <p:txBody>
+            <a:bodyPr rtlCol="0" anchor="ctr"/>
+            <a:lstStyle/>
+            <a:p>
+              <a:pPr algn="ctr"/>
+              <a:endParaRPr lang="en-NZ"/>
+            </a:p>
+          </p:txBody>
+        </p:sp>
+        <p:sp>
+          <p:nvSpPr>
+            <p:cNvPr id="76" name="Moon 75">
+              <a:extLst>
+                <a:ext uri="{FF2B5EF4-FFF2-40B4-BE49-F238E27FC236}">
+                  <a16:creationId xmlns:a16="http://schemas.microsoft.com/office/drawing/2014/main" id="{206CA568-CE6A-484E-952F-8DD8A758B9D4}"/>
+                </a:ext>
+              </a:extLst>
+            </p:cNvPr>
+            <p:cNvSpPr/>
+            <p:nvPr/>
+          </p:nvSpPr>
+          <p:spPr>
+            <a:xfrm rot="4772928">
+              <a:off x="5256962" y="1587096"/>
+              <a:ext cx="734646" cy="2333918"/>
+            </a:xfrm>
+            <a:prstGeom prst="moon">
+              <a:avLst>
+                <a:gd name="adj" fmla="val 76950"/>
+              </a:avLst>
+            </a:prstGeom>
+            <a:noFill/>
+            <a:ln>
+              <a:noFill/>
+            </a:ln>
+          </p:spPr>
+          <p:style>
+            <a:lnRef idx="2">
+              <a:schemeClr val="accent1">
+                <a:shade val="50000"/>
+              </a:schemeClr>
+            </a:lnRef>
+            <a:fillRef idx="1">
+              <a:schemeClr val="accent1"/>
+            </a:fillRef>
+            <a:effectRef idx="0">
+              <a:schemeClr val="accent1"/>
+            </a:effectRef>
+            <a:fontRef idx="minor">
+              <a:schemeClr val="lt1"/>
+            </a:fontRef>
+          </p:style>
+          <p:txBody>
+            <a:bodyPr rtlCol="0" anchor="ctr"/>
+            <a:lstStyle/>
+            <a:p>
+              <a:pPr algn="ctr"/>
+              <a:endParaRPr lang="en-NZ"/>
+            </a:p>
+          </p:txBody>
+        </p:sp>
+        <p:sp>
+          <p:nvSpPr>
+            <p:cNvPr id="77" name="Moon 76">
+              <a:extLst>
+                <a:ext uri="{FF2B5EF4-FFF2-40B4-BE49-F238E27FC236}">
+                  <a16:creationId xmlns:a16="http://schemas.microsoft.com/office/drawing/2014/main" id="{C8C96718-EACD-469F-B3E6-0B6AC4108B8C}"/>
+                </a:ext>
+              </a:extLst>
+            </p:cNvPr>
+            <p:cNvSpPr/>
+            <p:nvPr/>
+          </p:nvSpPr>
+          <p:spPr>
+            <a:xfrm rot="10436289" flipH="1">
+              <a:off x="4142982" y="2878714"/>
+              <a:ext cx="734646" cy="2333918"/>
+            </a:xfrm>
+            <a:prstGeom prst="moon">
+              <a:avLst>
+                <a:gd name="adj" fmla="val 76950"/>
+              </a:avLst>
+            </a:prstGeom>
+            <a:noFill/>
+            <a:ln>
+              <a:noFill/>
+            </a:ln>
+          </p:spPr>
+          <p:style>
+            <a:lnRef idx="2">
+              <a:schemeClr val="accent1">
+                <a:shade val="50000"/>
+              </a:schemeClr>
+            </a:lnRef>
+            <a:fillRef idx="1">
+              <a:schemeClr val="accent1"/>
+            </a:fillRef>
+            <a:effectRef idx="0">
+              <a:schemeClr val="accent1"/>
+            </a:effectRef>
+            <a:fontRef idx="minor">
+              <a:schemeClr val="lt1"/>
+            </a:fontRef>
+          </p:style>
+          <p:txBody>
+            <a:bodyPr rtlCol="0" anchor="ctr"/>
+            <a:lstStyle/>
+            <a:p>
+              <a:pPr algn="ctr"/>
+              <a:endParaRPr lang="en-NZ"/>
+            </a:p>
+          </p:txBody>
+        </p:sp>
+        <p:sp>
+          <p:nvSpPr>
+            <p:cNvPr id="78" name="Moon 77">
+              <a:extLst>
+                <a:ext uri="{FF2B5EF4-FFF2-40B4-BE49-F238E27FC236}">
+                  <a16:creationId xmlns:a16="http://schemas.microsoft.com/office/drawing/2014/main" id="{89571496-6979-4C21-A2C6-75C11928AB83}"/>
+                </a:ext>
+              </a:extLst>
+            </p:cNvPr>
+            <p:cNvSpPr/>
+            <p:nvPr/>
+          </p:nvSpPr>
+          <p:spPr>
+            <a:xfrm rot="6247598">
+              <a:off x="5223281" y="2071678"/>
+              <a:ext cx="734646" cy="2333918"/>
+            </a:xfrm>
+            <a:prstGeom prst="moon">
+              <a:avLst>
+                <a:gd name="adj" fmla="val 76950"/>
+              </a:avLst>
+            </a:prstGeom>
+            <a:noFill/>
+            <a:ln>
+              <a:noFill/>
+            </a:ln>
+          </p:spPr>
+          <p:style>
+            <a:lnRef idx="2">
+              <a:schemeClr val="accent1">
+                <a:shade val="50000"/>
+              </a:schemeClr>
+            </a:lnRef>
+            <a:fillRef idx="1">
+              <a:schemeClr val="accent1"/>
+            </a:fillRef>
+            <a:effectRef idx="0">
+              <a:schemeClr val="accent1"/>
+            </a:effectRef>
+            <a:fontRef idx="minor">
+              <a:schemeClr val="lt1"/>
+            </a:fontRef>
+          </p:style>
+          <p:txBody>
+            <a:bodyPr rtlCol="0" anchor="ctr"/>
+            <a:lstStyle/>
+            <a:p>
+              <a:pPr algn="ctr"/>
+              <a:endParaRPr lang="en-NZ"/>
+            </a:p>
+          </p:txBody>
+        </p:sp>
+        <p:sp>
+          <p:nvSpPr>
+            <p:cNvPr id="79" name="Moon 78">
+              <a:extLst>
+                <a:ext uri="{FF2B5EF4-FFF2-40B4-BE49-F238E27FC236}">
+                  <a16:creationId xmlns:a16="http://schemas.microsoft.com/office/drawing/2014/main" id="{06ACC7A1-240D-4A4C-A638-1F28A34318D3}"/>
+                </a:ext>
+              </a:extLst>
+            </p:cNvPr>
+            <p:cNvSpPr/>
+            <p:nvPr/>
+          </p:nvSpPr>
+          <p:spPr>
+            <a:xfrm rot="16455957" flipH="1">
+              <a:off x="3327847" y="1706899"/>
+              <a:ext cx="734646" cy="2333918"/>
+            </a:xfrm>
+            <a:prstGeom prst="moon">
+              <a:avLst>
+                <a:gd name="adj" fmla="val 76950"/>
+              </a:avLst>
+            </a:prstGeom>
+            <a:noFill/>
+            <a:ln>
+              <a:noFill/>
+            </a:ln>
+          </p:spPr>
+          <p:style>
+            <a:lnRef idx="2">
+              <a:schemeClr val="accent1">
+                <a:shade val="50000"/>
+              </a:schemeClr>
+            </a:lnRef>
+            <a:fillRef idx="1">
+              <a:schemeClr val="accent1"/>
+            </a:fillRef>
+            <a:effectRef idx="0">
+              <a:schemeClr val="accent1"/>
+            </a:effectRef>
+            <a:fontRef idx="minor">
+              <a:schemeClr val="lt1"/>
+            </a:fontRef>
+          </p:style>
+          <p:txBody>
+            <a:bodyPr rtlCol="0" anchor="ctr"/>
+            <a:lstStyle/>
+            <a:p>
+              <a:pPr algn="ctr"/>
+              <a:endParaRPr lang="en-NZ"/>
+            </a:p>
+          </p:txBody>
+        </p:sp>
+        <p:sp>
+          <p:nvSpPr>
+            <p:cNvPr id="80" name="Oval 79">
+              <a:extLst>
+                <a:ext uri="{FF2B5EF4-FFF2-40B4-BE49-F238E27FC236}">
+                  <a16:creationId xmlns:a16="http://schemas.microsoft.com/office/drawing/2014/main" id="{6EC7718C-BD2A-4B3C-BC33-0ACDBEEBB672}"/>
+                </a:ext>
+              </a:extLst>
+            </p:cNvPr>
+            <p:cNvSpPr/>
+            <p:nvPr/>
+          </p:nvSpPr>
+          <p:spPr>
+            <a:xfrm>
+              <a:off x="4624431" y="3038698"/>
+              <a:ext cx="419450" cy="419450"/>
+            </a:xfrm>
+            <a:prstGeom prst="ellipse">
+              <a:avLst/>
+            </a:prstGeom>
+            <a:noFill/>
+            <a:ln>
+              <a:noFill/>
+            </a:ln>
+          </p:spPr>
+          <p:style>
+            <a:lnRef idx="2">
+              <a:schemeClr val="accent1">
+                <a:shade val="50000"/>
+              </a:schemeClr>
+            </a:lnRef>
+            <a:fillRef idx="1">
+              <a:schemeClr val="accent1"/>
+            </a:fillRef>
+            <a:effectRef idx="0">
+              <a:schemeClr val="accent1"/>
+            </a:effectRef>
+            <a:fontRef idx="minor">
+              <a:schemeClr val="lt1"/>
+            </a:fontRef>
+          </p:style>
+          <p:txBody>
+            <a:bodyPr rtlCol="0" anchor="ctr"/>
+            <a:lstStyle/>
+            <a:p>
+              <a:pPr algn="ctr"/>
+              <a:endParaRPr lang="en-NZ"/>
+            </a:p>
+          </p:txBody>
+        </p:sp>
+        <p:sp>
+          <p:nvSpPr>
+            <p:cNvPr id="81" name="Oval 80">
+              <a:extLst>
+                <a:ext uri="{FF2B5EF4-FFF2-40B4-BE49-F238E27FC236}">
+                  <a16:creationId xmlns:a16="http://schemas.microsoft.com/office/drawing/2014/main" id="{49BEF26B-3F95-4FEE-8716-18F6BE89DD5F}"/>
+                </a:ext>
+              </a:extLst>
+            </p:cNvPr>
+            <p:cNvSpPr/>
+            <p:nvPr/>
+          </p:nvSpPr>
+          <p:spPr>
+            <a:xfrm>
+              <a:off x="4651225" y="2680451"/>
+              <a:ext cx="419450" cy="419450"/>
+            </a:xfrm>
+            <a:prstGeom prst="ellipse">
+              <a:avLst/>
+            </a:prstGeom>
+            <a:noFill/>
+            <a:ln>
+              <a:noFill/>
+            </a:ln>
+          </p:spPr>
+          <p:style>
+            <a:lnRef idx="2">
+              <a:schemeClr val="accent1">
+                <a:shade val="50000"/>
+              </a:schemeClr>
+            </a:lnRef>
+            <a:fillRef idx="1">
+              <a:schemeClr val="accent1"/>
+            </a:fillRef>
+            <a:effectRef idx="0">
+              <a:schemeClr val="accent1"/>
+            </a:effectRef>
+            <a:fontRef idx="minor">
+              <a:schemeClr val="lt1"/>
+            </a:fontRef>
+          </p:style>
+          <p:txBody>
+            <a:bodyPr rtlCol="0" anchor="ctr"/>
+            <a:lstStyle/>
+            <a:p>
+              <a:pPr algn="ctr"/>
+              <a:endParaRPr lang="en-NZ"/>
+            </a:p>
+          </p:txBody>
+        </p:sp>
+        <p:sp>
+          <p:nvSpPr>
+            <p:cNvPr id="82" name="Oval 81">
+              <a:extLst>
+                <a:ext uri="{FF2B5EF4-FFF2-40B4-BE49-F238E27FC236}">
+                  <a16:creationId xmlns:a16="http://schemas.microsoft.com/office/drawing/2014/main" id="{E2CC7911-EC3E-4CE7-8708-F746DA2517C3}"/>
+                </a:ext>
+              </a:extLst>
+            </p:cNvPr>
+            <p:cNvSpPr/>
+            <p:nvPr/>
+          </p:nvSpPr>
+          <p:spPr>
+            <a:xfrm>
+              <a:off x="4049579" y="2506531"/>
+              <a:ext cx="419450" cy="419450"/>
+            </a:xfrm>
+            <a:prstGeom prst="ellipse">
+              <a:avLst/>
+            </a:prstGeom>
+            <a:noFill/>
+            <a:ln>
+              <a:noFill/>
+            </a:ln>
+          </p:spPr>
+          <p:style>
+            <a:lnRef idx="2">
+              <a:schemeClr val="accent1">
+                <a:shade val="50000"/>
+              </a:schemeClr>
+            </a:lnRef>
+            <a:fillRef idx="1">
+              <a:schemeClr val="accent1"/>
+            </a:fillRef>
+            <a:effectRef idx="0">
+              <a:schemeClr val="accent1"/>
+            </a:effectRef>
+            <a:fontRef idx="minor">
+              <a:schemeClr val="lt1"/>
+            </a:fontRef>
+          </p:style>
+          <p:txBody>
+            <a:bodyPr rtlCol="0" anchor="ctr"/>
+            <a:lstStyle/>
+            <a:p>
+              <a:pPr algn="ctr"/>
+              <a:endParaRPr lang="en-NZ"/>
+            </a:p>
+          </p:txBody>
+        </p:sp>
+        <p:sp>
+          <p:nvSpPr>
+            <p:cNvPr id="83" name="Moon 82">
+              <a:extLst>
+                <a:ext uri="{FF2B5EF4-FFF2-40B4-BE49-F238E27FC236}">
+                  <a16:creationId xmlns:a16="http://schemas.microsoft.com/office/drawing/2014/main" id="{8A347BAF-9962-4DCB-9161-7CD9E42FC22B}"/>
+                </a:ext>
+              </a:extLst>
+            </p:cNvPr>
+            <p:cNvSpPr/>
+            <p:nvPr/>
+          </p:nvSpPr>
+          <p:spPr>
+            <a:xfrm rot="536502" flipH="1">
+              <a:off x="4194496" y="1247561"/>
+              <a:ext cx="734646" cy="2333918"/>
+            </a:xfrm>
+            <a:prstGeom prst="moon">
+              <a:avLst>
+                <a:gd name="adj" fmla="val 76950"/>
+              </a:avLst>
+            </a:prstGeom>
+            <a:noFill/>
+            <a:ln>
+              <a:noFill/>
+            </a:ln>
+          </p:spPr>
+          <p:style>
+            <a:lnRef idx="2">
+              <a:schemeClr val="accent1">
+                <a:shade val="50000"/>
+              </a:schemeClr>
+            </a:lnRef>
+            <a:fillRef idx="1">
+              <a:schemeClr val="accent1"/>
+            </a:fillRef>
+            <a:effectRef idx="0">
+              <a:schemeClr val="accent1"/>
+            </a:effectRef>
+            <a:fontRef idx="minor">
+              <a:schemeClr val="lt1"/>
+            </a:fontRef>
+          </p:style>
+          <p:txBody>
+            <a:bodyPr rtlCol="0" anchor="ctr"/>
+            <a:lstStyle/>
+            <a:p>
+              <a:pPr algn="ctr"/>
+              <a:endParaRPr lang="en-NZ"/>
+            </a:p>
+          </p:txBody>
+        </p:sp>
+        <p:sp>
+          <p:nvSpPr>
+            <p:cNvPr id="84" name="Moon 83">
+              <a:extLst>
+                <a:ext uri="{FF2B5EF4-FFF2-40B4-BE49-F238E27FC236}">
+                  <a16:creationId xmlns:a16="http://schemas.microsoft.com/office/drawing/2014/main" id="{007788D7-6827-4EB4-8272-ED703D598EF4}"/>
+                </a:ext>
+              </a:extLst>
+            </p:cNvPr>
+            <p:cNvSpPr/>
+            <p:nvPr/>
+          </p:nvSpPr>
+          <p:spPr>
+            <a:xfrm rot="13288327" flipH="1">
+              <a:off x="3223453" y="2630252"/>
+              <a:ext cx="734646" cy="2333918"/>
+            </a:xfrm>
+            <a:prstGeom prst="moon">
+              <a:avLst>
+                <a:gd name="adj" fmla="val 76950"/>
+              </a:avLst>
+            </a:prstGeom>
+            <a:noFill/>
+            <a:ln>
+              <a:noFill/>
+            </a:ln>
+          </p:spPr>
+          <p:style>
+            <a:lnRef idx="2">
+              <a:schemeClr val="accent1">
+                <a:shade val="50000"/>
+              </a:schemeClr>
+            </a:lnRef>
+            <a:fillRef idx="1">
+              <a:schemeClr val="accent1"/>
+            </a:fillRef>
+            <a:effectRef idx="0">
+              <a:schemeClr val="accent1"/>
+            </a:effectRef>
+            <a:fontRef idx="minor">
+              <a:schemeClr val="lt1"/>
+            </a:fontRef>
+          </p:style>
+          <p:txBody>
+            <a:bodyPr rtlCol="0" anchor="ctr"/>
+            <a:lstStyle/>
+            <a:p>
+              <a:pPr algn="ctr"/>
+              <a:endParaRPr lang="en-NZ"/>
+            </a:p>
+          </p:txBody>
+        </p:sp>
+        <p:sp>
+          <p:nvSpPr>
+            <p:cNvPr id="85" name="Oval 84">
+              <a:extLst>
+                <a:ext uri="{FF2B5EF4-FFF2-40B4-BE49-F238E27FC236}">
+                  <a16:creationId xmlns:a16="http://schemas.microsoft.com/office/drawing/2014/main" id="{AB998F40-614D-47FA-A132-E2FB40C0D62A}"/>
+                </a:ext>
+              </a:extLst>
+            </p:cNvPr>
+            <p:cNvSpPr/>
+            <p:nvPr/>
+          </p:nvSpPr>
+          <p:spPr>
+            <a:xfrm>
+              <a:off x="3980107" y="2945888"/>
+              <a:ext cx="419450" cy="419450"/>
+            </a:xfrm>
+            <a:prstGeom prst="ellipse">
+              <a:avLst/>
+            </a:prstGeom>
+            <a:noFill/>
+            <a:ln>
+              <a:noFill/>
+            </a:ln>
+          </p:spPr>
+          <p:style>
+            <a:lnRef idx="2">
+              <a:schemeClr val="accent1">
+                <a:shade val="50000"/>
+              </a:schemeClr>
+            </a:lnRef>
+            <a:fillRef idx="1">
+              <a:schemeClr val="accent1"/>
+            </a:fillRef>
+            <a:effectRef idx="0">
+              <a:schemeClr val="accent1"/>
+            </a:effectRef>
+            <a:fontRef idx="minor">
+              <a:schemeClr val="lt1"/>
+            </a:fontRef>
+          </p:style>
+          <p:txBody>
+            <a:bodyPr rtlCol="0" anchor="ctr"/>
+            <a:lstStyle/>
+            <a:p>
+              <a:pPr algn="ctr"/>
+              <a:endParaRPr lang="en-NZ"/>
+            </a:p>
+          </p:txBody>
+        </p:sp>
+        <p:sp>
+          <p:nvSpPr>
+            <p:cNvPr id="86" name="Moon 85">
+              <a:extLst>
+                <a:ext uri="{FF2B5EF4-FFF2-40B4-BE49-F238E27FC236}">
+                  <a16:creationId xmlns:a16="http://schemas.microsoft.com/office/drawing/2014/main" id="{6682EE84-15AB-4619-87F7-557653FA866A}"/>
+                </a:ext>
+              </a:extLst>
+            </p:cNvPr>
+            <p:cNvSpPr/>
+            <p:nvPr/>
+          </p:nvSpPr>
+          <p:spPr>
+            <a:xfrm rot="7243573" flipH="1">
+              <a:off x="3249183" y="1559699"/>
+              <a:ext cx="734646" cy="2333918"/>
+            </a:xfrm>
+            <a:prstGeom prst="moon">
+              <a:avLst>
+                <a:gd name="adj" fmla="val 76950"/>
+              </a:avLst>
+            </a:prstGeom>
+            <a:noFill/>
+            <a:ln>
+              <a:noFill/>
+            </a:ln>
+          </p:spPr>
+          <p:style>
+            <a:lnRef idx="2">
+              <a:schemeClr val="accent1">
+                <a:shade val="50000"/>
+              </a:schemeClr>
+            </a:lnRef>
+            <a:fillRef idx="1">
+              <a:schemeClr val="accent1"/>
+            </a:fillRef>
+            <a:effectRef idx="0">
+              <a:schemeClr val="accent1"/>
+            </a:effectRef>
+            <a:fontRef idx="minor">
+              <a:schemeClr val="lt1"/>
+            </a:fontRef>
+          </p:style>
+          <p:txBody>
+            <a:bodyPr rtlCol="0" anchor="ctr"/>
+            <a:lstStyle/>
+            <a:p>
+              <a:pPr algn="ctr"/>
+              <a:endParaRPr lang="en-NZ"/>
+            </a:p>
+          </p:txBody>
+        </p:sp>
+        <p:sp>
+          <p:nvSpPr>
+            <p:cNvPr id="87" name="Oval 86">
+              <a:extLst>
+                <a:ext uri="{FF2B5EF4-FFF2-40B4-BE49-F238E27FC236}">
+                  <a16:creationId xmlns:a16="http://schemas.microsoft.com/office/drawing/2014/main" id="{674A9148-2E5B-4C2B-96BD-8C494F001081}"/>
+                </a:ext>
+              </a:extLst>
+            </p:cNvPr>
+            <p:cNvSpPr/>
+            <p:nvPr/>
+          </p:nvSpPr>
+          <p:spPr>
+            <a:xfrm>
+              <a:off x="4252938" y="3227670"/>
+              <a:ext cx="419450" cy="419450"/>
+            </a:xfrm>
+            <a:prstGeom prst="ellipse">
+              <a:avLst/>
+            </a:prstGeom>
+            <a:noFill/>
+            <a:ln>
+              <a:noFill/>
+            </a:ln>
+          </p:spPr>
+          <p:style>
+            <a:lnRef idx="2">
+              <a:schemeClr val="accent1">
+                <a:shade val="50000"/>
+              </a:schemeClr>
+            </a:lnRef>
+            <a:fillRef idx="1">
+              <a:schemeClr val="accent1"/>
+            </a:fillRef>
+            <a:effectRef idx="0">
+              <a:schemeClr val="accent1"/>
+            </a:effectRef>
+            <a:fontRef idx="minor">
+              <a:schemeClr val="lt1"/>
+            </a:fontRef>
+          </p:style>
+          <p:txBody>
+            <a:bodyPr rtlCol="0" anchor="ctr"/>
+            <a:lstStyle/>
+            <a:p>
+              <a:pPr algn="ctr"/>
+              <a:endParaRPr lang="en-NZ"/>
+            </a:p>
+          </p:txBody>
+        </p:sp>
+        <p:sp>
+          <p:nvSpPr>
+            <p:cNvPr id="88" name="Moon 87">
+              <a:extLst>
+                <a:ext uri="{FF2B5EF4-FFF2-40B4-BE49-F238E27FC236}">
+                  <a16:creationId xmlns:a16="http://schemas.microsoft.com/office/drawing/2014/main" id="{BAEF66E3-4C21-406C-8792-5D8C471EF101}"/>
+                </a:ext>
+              </a:extLst>
+            </p:cNvPr>
+            <p:cNvSpPr/>
+            <p:nvPr/>
+          </p:nvSpPr>
+          <p:spPr>
+            <a:xfrm rot="7620947" flipH="1">
+              <a:off x="4906891" y="2752045"/>
+              <a:ext cx="734646" cy="2333918"/>
+            </a:xfrm>
+            <a:prstGeom prst="moon">
+              <a:avLst>
+                <a:gd name="adj" fmla="val 76950"/>
+              </a:avLst>
+            </a:prstGeom>
+            <a:noFill/>
+            <a:ln>
+              <a:noFill/>
+            </a:ln>
+          </p:spPr>
+          <p:style>
+            <a:lnRef idx="2">
+              <a:schemeClr val="accent1">
+                <a:shade val="50000"/>
+              </a:schemeClr>
+            </a:lnRef>
+            <a:fillRef idx="1">
+              <a:schemeClr val="accent1"/>
+            </a:fillRef>
+            <a:effectRef idx="0">
+              <a:schemeClr val="accent1"/>
+            </a:effectRef>
+            <a:fontRef idx="minor">
+              <a:schemeClr val="lt1"/>
+            </a:fontRef>
+          </p:style>
+          <p:txBody>
+            <a:bodyPr rtlCol="0" anchor="ctr"/>
+            <a:lstStyle/>
+            <a:p>
+              <a:pPr algn="ctr"/>
+              <a:endParaRPr lang="en-NZ"/>
+            </a:p>
+          </p:txBody>
+        </p:sp>
+      </p:grpSp>
     </p:spTree>
     <p:extLst>
       <p:ext uri="{BB962C8B-B14F-4D97-AF65-F5344CB8AC3E}">
